--- a/PPT/LoRA (Low-Rank Adaptation) for Supervised Learning.pptx
+++ b/PPT/LoRA (Low-Rank Adaptation) for Supervised Learning.pptx
@@ -4,18 +4,23 @@
   <p:sldMasterIdLst>
     <p:sldMasterId id="2147483660" r:id="rId1"/>
   </p:sldMasterIdLst>
+  <p:notesMasterIdLst>
+    <p:notesMasterId r:id="rId15"/>
+  </p:notesMasterIdLst>
   <p:sldIdLst>
     <p:sldId id="256" r:id="rId2"/>
     <p:sldId id="257" r:id="rId3"/>
     <p:sldId id="258" r:id="rId4"/>
     <p:sldId id="259" r:id="rId5"/>
-    <p:sldId id="260" r:id="rId6"/>
-    <p:sldId id="261" r:id="rId7"/>
-    <p:sldId id="262" r:id="rId8"/>
-    <p:sldId id="263" r:id="rId9"/>
-    <p:sldId id="264" r:id="rId10"/>
-    <p:sldId id="265" r:id="rId11"/>
-    <p:sldId id="266" r:id="rId12"/>
+    <p:sldId id="267" r:id="rId6"/>
+    <p:sldId id="268" r:id="rId7"/>
+    <p:sldId id="260" r:id="rId8"/>
+    <p:sldId id="261" r:id="rId9"/>
+    <p:sldId id="262" r:id="rId10"/>
+    <p:sldId id="263" r:id="rId11"/>
+    <p:sldId id="264" r:id="rId12"/>
+    <p:sldId id="265" r:id="rId13"/>
+    <p:sldId id="266" r:id="rId14"/>
   </p:sldIdLst>
   <p:sldSz cx="12192000" cy="6858000"/>
   <p:notesSz cx="6858000" cy="9144000"/>
@@ -27588,6 +27593,439 @@
 </dgm:styleDef>
 </file>
 
+<file path=ppt/notesMasters/notesMaster1.xml><?xml version="1.0" encoding="utf-8"?>
+<p:notesMaster xmlns:a="http://schemas.openxmlformats.org/drawingml/2006/main" xmlns:r="http://schemas.openxmlformats.org/officeDocument/2006/relationships" xmlns:p="http://schemas.openxmlformats.org/presentationml/2006/main">
+  <p:cSld>
+    <p:bg>
+      <p:bgRef idx="1001">
+        <a:schemeClr val="bg1"/>
+      </p:bgRef>
+    </p:bg>
+    <p:spTree>
+      <p:nvGrpSpPr>
+        <p:cNvPr id="1" name=""/>
+        <p:cNvGrpSpPr/>
+        <p:nvPr/>
+      </p:nvGrpSpPr>
+      <p:grpSpPr>
+        <a:xfrm>
+          <a:off x="0" y="0"/>
+          <a:ext cx="0" cy="0"/>
+          <a:chOff x="0" y="0"/>
+          <a:chExt cx="0" cy="0"/>
+        </a:xfrm>
+      </p:grpSpPr>
+      <p:sp>
+        <p:nvSpPr>
+          <p:cNvPr id="2" name="Header Placeholder 1"/>
+          <p:cNvSpPr>
+            <a:spLocks noGrp="1"/>
+          </p:cNvSpPr>
+          <p:nvPr>
+            <p:ph type="hdr" sz="quarter"/>
+          </p:nvPr>
+        </p:nvSpPr>
+        <p:spPr>
+          <a:xfrm>
+            <a:off x="0" y="0"/>
+            <a:ext cx="2971800" cy="458788"/>
+          </a:xfrm>
+          <a:prstGeom prst="rect">
+            <a:avLst/>
+          </a:prstGeom>
+        </p:spPr>
+        <p:txBody>
+          <a:bodyPr vert="horz" lIns="91440" tIns="45720" rIns="91440" bIns="45720" rtlCol="0"/>
+          <a:lstStyle>
+            <a:lvl1pPr algn="l">
+              <a:defRPr sz="1200"/>
+            </a:lvl1pPr>
+          </a:lstStyle>
+          <a:p>
+            <a:endParaRPr lang="en-US"/>
+          </a:p>
+        </p:txBody>
+      </p:sp>
+      <p:sp>
+        <p:nvSpPr>
+          <p:cNvPr id="3" name="Date Placeholder 2"/>
+          <p:cNvSpPr>
+            <a:spLocks noGrp="1"/>
+          </p:cNvSpPr>
+          <p:nvPr>
+            <p:ph type="dt" idx="1"/>
+          </p:nvPr>
+        </p:nvSpPr>
+        <p:spPr>
+          <a:xfrm>
+            <a:off x="3884613" y="0"/>
+            <a:ext cx="2971800" cy="458788"/>
+          </a:xfrm>
+          <a:prstGeom prst="rect">
+            <a:avLst/>
+          </a:prstGeom>
+        </p:spPr>
+        <p:txBody>
+          <a:bodyPr vert="horz" lIns="91440" tIns="45720" rIns="91440" bIns="45720" rtlCol="0"/>
+          <a:lstStyle>
+            <a:lvl1pPr algn="r">
+              <a:defRPr sz="1200"/>
+            </a:lvl1pPr>
+          </a:lstStyle>
+          <a:p>
+            <a:fld id="{EED22E2A-6CBA-DB4F-8EBA-67E1F34201F0}" type="datetimeFigureOut">
+              <a:rPr lang="en-US" smtClean="0"/>
+              <a:t>10/15/24</a:t>
+            </a:fld>
+            <a:endParaRPr lang="en-US"/>
+          </a:p>
+        </p:txBody>
+      </p:sp>
+      <p:sp>
+        <p:nvSpPr>
+          <p:cNvPr id="4" name="Slide Image Placeholder 3"/>
+          <p:cNvSpPr>
+            <a:spLocks noGrp="1" noRot="1" noChangeAspect="1"/>
+          </p:cNvSpPr>
+          <p:nvPr>
+            <p:ph type="sldImg" idx="2"/>
+          </p:nvPr>
+        </p:nvSpPr>
+        <p:spPr>
+          <a:xfrm>
+            <a:off x="685800" y="1143000"/>
+            <a:ext cx="5486400" cy="3086100"/>
+          </a:xfrm>
+          <a:prstGeom prst="rect">
+            <a:avLst/>
+          </a:prstGeom>
+          <a:noFill/>
+          <a:ln w="12700">
+            <a:solidFill>
+              <a:prstClr val="black"/>
+            </a:solidFill>
+          </a:ln>
+        </p:spPr>
+        <p:txBody>
+          <a:bodyPr vert="horz" lIns="91440" tIns="45720" rIns="91440" bIns="45720" rtlCol="0" anchor="ctr"/>
+          <a:lstStyle/>
+          <a:p>
+            <a:endParaRPr lang="en-US"/>
+          </a:p>
+        </p:txBody>
+      </p:sp>
+      <p:sp>
+        <p:nvSpPr>
+          <p:cNvPr id="5" name="Notes Placeholder 4"/>
+          <p:cNvSpPr>
+            <a:spLocks noGrp="1"/>
+          </p:cNvSpPr>
+          <p:nvPr>
+            <p:ph type="body" sz="quarter" idx="3"/>
+          </p:nvPr>
+        </p:nvSpPr>
+        <p:spPr>
+          <a:xfrm>
+            <a:off x="685800" y="4400550"/>
+            <a:ext cx="5486400" cy="3600450"/>
+          </a:xfrm>
+          <a:prstGeom prst="rect">
+            <a:avLst/>
+          </a:prstGeom>
+        </p:spPr>
+        <p:txBody>
+          <a:bodyPr vert="horz" lIns="91440" tIns="45720" rIns="91440" bIns="45720" rtlCol="0"/>
+          <a:lstStyle/>
+          <a:p>
+            <a:pPr lvl="0"/>
+            <a:r>
+              <a:rPr lang="en-US"/>
+              <a:t>Click to edit Master text styles</a:t>
+            </a:r>
+          </a:p>
+          <a:p>
+            <a:pPr lvl="1"/>
+            <a:r>
+              <a:rPr lang="en-US"/>
+              <a:t>Second level</a:t>
+            </a:r>
+          </a:p>
+          <a:p>
+            <a:pPr lvl="2"/>
+            <a:r>
+              <a:rPr lang="en-US"/>
+              <a:t>Third level</a:t>
+            </a:r>
+          </a:p>
+          <a:p>
+            <a:pPr lvl="3"/>
+            <a:r>
+              <a:rPr lang="en-US"/>
+              <a:t>Fourth level</a:t>
+            </a:r>
+          </a:p>
+          <a:p>
+            <a:pPr lvl="4"/>
+            <a:r>
+              <a:rPr lang="en-US"/>
+              <a:t>Fifth level</a:t>
+            </a:r>
+          </a:p>
+        </p:txBody>
+      </p:sp>
+      <p:sp>
+        <p:nvSpPr>
+          <p:cNvPr id="6" name="Footer Placeholder 5"/>
+          <p:cNvSpPr>
+            <a:spLocks noGrp="1"/>
+          </p:cNvSpPr>
+          <p:nvPr>
+            <p:ph type="ftr" sz="quarter" idx="4"/>
+          </p:nvPr>
+        </p:nvSpPr>
+        <p:spPr>
+          <a:xfrm>
+            <a:off x="0" y="8685213"/>
+            <a:ext cx="2971800" cy="458787"/>
+          </a:xfrm>
+          <a:prstGeom prst="rect">
+            <a:avLst/>
+          </a:prstGeom>
+        </p:spPr>
+        <p:txBody>
+          <a:bodyPr vert="horz" lIns="91440" tIns="45720" rIns="91440" bIns="45720" rtlCol="0" anchor="b"/>
+          <a:lstStyle>
+            <a:lvl1pPr algn="l">
+              <a:defRPr sz="1200"/>
+            </a:lvl1pPr>
+          </a:lstStyle>
+          <a:p>
+            <a:endParaRPr lang="en-US"/>
+          </a:p>
+        </p:txBody>
+      </p:sp>
+      <p:sp>
+        <p:nvSpPr>
+          <p:cNvPr id="7" name="Slide Number Placeholder 6"/>
+          <p:cNvSpPr>
+            <a:spLocks noGrp="1"/>
+          </p:cNvSpPr>
+          <p:nvPr>
+            <p:ph type="sldNum" sz="quarter" idx="5"/>
+          </p:nvPr>
+        </p:nvSpPr>
+        <p:spPr>
+          <a:xfrm>
+            <a:off x="3884613" y="8685213"/>
+            <a:ext cx="2971800" cy="458787"/>
+          </a:xfrm>
+          <a:prstGeom prst="rect">
+            <a:avLst/>
+          </a:prstGeom>
+        </p:spPr>
+        <p:txBody>
+          <a:bodyPr vert="horz" lIns="91440" tIns="45720" rIns="91440" bIns="45720" rtlCol="0" anchor="b"/>
+          <a:lstStyle>
+            <a:lvl1pPr algn="r">
+              <a:defRPr sz="1200"/>
+            </a:lvl1pPr>
+          </a:lstStyle>
+          <a:p>
+            <a:fld id="{7B0E475B-DD86-794C-8D83-D1DA6D08856D}" type="slidenum">
+              <a:rPr lang="en-US" smtClean="0"/>
+              <a:t>‹#›</a:t>
+            </a:fld>
+            <a:endParaRPr lang="en-US"/>
+          </a:p>
+        </p:txBody>
+      </p:sp>
+    </p:spTree>
+    <p:extLst>
+      <p:ext uri="{BB962C8B-B14F-4D97-AF65-F5344CB8AC3E}">
+        <p14:creationId xmlns:p14="http://schemas.microsoft.com/office/powerpoint/2010/main" val="2347896410"/>
+      </p:ext>
+    </p:extLst>
+  </p:cSld>
+  <p:clrMap bg1="lt1" tx1="dk1" bg2="lt2" tx2="dk2" accent1="accent1" accent2="accent2" accent3="accent3" accent4="accent4" accent5="accent5" accent6="accent6" hlink="hlink" folHlink="folHlink"/>
+  <p:notesStyle>
+    <a:lvl1pPr marL="0" algn="l" defTabSz="914400" rtl="0" eaLnBrk="1" latinLnBrk="0" hangingPunct="1">
+      <a:defRPr sz="1200" kern="1200">
+        <a:solidFill>
+          <a:schemeClr val="tx1"/>
+        </a:solidFill>
+        <a:latin typeface="+mn-lt"/>
+        <a:ea typeface="+mn-ea"/>
+        <a:cs typeface="+mn-cs"/>
+      </a:defRPr>
+    </a:lvl1pPr>
+    <a:lvl2pPr marL="457200" algn="l" defTabSz="914400" rtl="0" eaLnBrk="1" latinLnBrk="0" hangingPunct="1">
+      <a:defRPr sz="1200" kern="1200">
+        <a:solidFill>
+          <a:schemeClr val="tx1"/>
+        </a:solidFill>
+        <a:latin typeface="+mn-lt"/>
+        <a:ea typeface="+mn-ea"/>
+        <a:cs typeface="+mn-cs"/>
+      </a:defRPr>
+    </a:lvl2pPr>
+    <a:lvl3pPr marL="914400" algn="l" defTabSz="914400" rtl="0" eaLnBrk="1" latinLnBrk="0" hangingPunct="1">
+      <a:defRPr sz="1200" kern="1200">
+        <a:solidFill>
+          <a:schemeClr val="tx1"/>
+        </a:solidFill>
+        <a:latin typeface="+mn-lt"/>
+        <a:ea typeface="+mn-ea"/>
+        <a:cs typeface="+mn-cs"/>
+      </a:defRPr>
+    </a:lvl3pPr>
+    <a:lvl4pPr marL="1371600" algn="l" defTabSz="914400" rtl="0" eaLnBrk="1" latinLnBrk="0" hangingPunct="1">
+      <a:defRPr sz="1200" kern="1200">
+        <a:solidFill>
+          <a:schemeClr val="tx1"/>
+        </a:solidFill>
+        <a:latin typeface="+mn-lt"/>
+        <a:ea typeface="+mn-ea"/>
+        <a:cs typeface="+mn-cs"/>
+      </a:defRPr>
+    </a:lvl4pPr>
+    <a:lvl5pPr marL="1828800" algn="l" defTabSz="914400" rtl="0" eaLnBrk="1" latinLnBrk="0" hangingPunct="1">
+      <a:defRPr sz="1200" kern="1200">
+        <a:solidFill>
+          <a:schemeClr val="tx1"/>
+        </a:solidFill>
+        <a:latin typeface="+mn-lt"/>
+        <a:ea typeface="+mn-ea"/>
+        <a:cs typeface="+mn-cs"/>
+      </a:defRPr>
+    </a:lvl5pPr>
+    <a:lvl6pPr marL="2286000" algn="l" defTabSz="914400" rtl="0" eaLnBrk="1" latinLnBrk="0" hangingPunct="1">
+      <a:defRPr sz="1200" kern="1200">
+        <a:solidFill>
+          <a:schemeClr val="tx1"/>
+        </a:solidFill>
+        <a:latin typeface="+mn-lt"/>
+        <a:ea typeface="+mn-ea"/>
+        <a:cs typeface="+mn-cs"/>
+      </a:defRPr>
+    </a:lvl6pPr>
+    <a:lvl7pPr marL="2743200" algn="l" defTabSz="914400" rtl="0" eaLnBrk="1" latinLnBrk="0" hangingPunct="1">
+      <a:defRPr sz="1200" kern="1200">
+        <a:solidFill>
+          <a:schemeClr val="tx1"/>
+        </a:solidFill>
+        <a:latin typeface="+mn-lt"/>
+        <a:ea typeface="+mn-ea"/>
+        <a:cs typeface="+mn-cs"/>
+      </a:defRPr>
+    </a:lvl7pPr>
+    <a:lvl8pPr marL="3200400" algn="l" defTabSz="914400" rtl="0" eaLnBrk="1" latinLnBrk="0" hangingPunct="1">
+      <a:defRPr sz="1200" kern="1200">
+        <a:solidFill>
+          <a:schemeClr val="tx1"/>
+        </a:solidFill>
+        <a:latin typeface="+mn-lt"/>
+        <a:ea typeface="+mn-ea"/>
+        <a:cs typeface="+mn-cs"/>
+      </a:defRPr>
+    </a:lvl8pPr>
+    <a:lvl9pPr marL="3657600" algn="l" defTabSz="914400" rtl="0" eaLnBrk="1" latinLnBrk="0" hangingPunct="1">
+      <a:defRPr sz="1200" kern="1200">
+        <a:solidFill>
+          <a:schemeClr val="tx1"/>
+        </a:solidFill>
+        <a:latin typeface="+mn-lt"/>
+        <a:ea typeface="+mn-ea"/>
+        <a:cs typeface="+mn-cs"/>
+      </a:defRPr>
+    </a:lvl9pPr>
+  </p:notesStyle>
+</p:notesMaster>
+</file>
+
+<file path=ppt/notesSlides/notesSlide1.xml><?xml version="1.0" encoding="utf-8"?>
+<p:notes xmlns:a="http://schemas.openxmlformats.org/drawingml/2006/main" xmlns:r="http://schemas.openxmlformats.org/officeDocument/2006/relationships" xmlns:p="http://schemas.openxmlformats.org/presentationml/2006/main">
+  <p:cSld>
+    <p:spTree>
+      <p:nvGrpSpPr>
+        <p:cNvPr id="1" name=""/>
+        <p:cNvGrpSpPr/>
+        <p:nvPr/>
+      </p:nvGrpSpPr>
+      <p:grpSpPr>
+        <a:xfrm>
+          <a:off x="0" y="0"/>
+          <a:ext cx="0" cy="0"/>
+          <a:chOff x="0" y="0"/>
+          <a:chExt cx="0" cy="0"/>
+        </a:xfrm>
+      </p:grpSpPr>
+      <p:sp>
+        <p:nvSpPr>
+          <p:cNvPr id="2" name="Slide Image Placeholder 1"/>
+          <p:cNvSpPr>
+            <a:spLocks noGrp="1" noRot="1" noChangeAspect="1"/>
+          </p:cNvSpPr>
+          <p:nvPr>
+            <p:ph type="sldImg"/>
+          </p:nvPr>
+        </p:nvSpPr>
+        <p:spPr/>
+      </p:sp>
+      <p:sp>
+        <p:nvSpPr>
+          <p:cNvPr id="3" name="Notes Placeholder 2"/>
+          <p:cNvSpPr>
+            <a:spLocks noGrp="1"/>
+          </p:cNvSpPr>
+          <p:nvPr>
+            <p:ph type="body" idx="1"/>
+          </p:nvPr>
+        </p:nvSpPr>
+        <p:spPr/>
+        <p:txBody>
+          <a:bodyPr/>
+          <a:lstStyle/>
+          <a:p>
+            <a:endParaRPr lang="en-US" dirty="0"/>
+          </a:p>
+        </p:txBody>
+      </p:sp>
+      <p:sp>
+        <p:nvSpPr>
+          <p:cNvPr id="4" name="Slide Number Placeholder 3"/>
+          <p:cNvSpPr>
+            <a:spLocks noGrp="1"/>
+          </p:cNvSpPr>
+          <p:nvPr>
+            <p:ph type="sldNum" sz="quarter" idx="5"/>
+          </p:nvPr>
+        </p:nvSpPr>
+        <p:spPr/>
+        <p:txBody>
+          <a:bodyPr/>
+          <a:lstStyle/>
+          <a:p>
+            <a:fld id="{7B0E475B-DD86-794C-8D83-D1DA6D08856D}" type="slidenum">
+              <a:rPr lang="en-US" smtClean="0"/>
+              <a:t>6</a:t>
+            </a:fld>
+            <a:endParaRPr lang="en-US"/>
+          </a:p>
+        </p:txBody>
+      </p:sp>
+    </p:spTree>
+    <p:extLst>
+      <p:ext uri="{BB962C8B-B14F-4D97-AF65-F5344CB8AC3E}">
+        <p14:creationId xmlns:p14="http://schemas.microsoft.com/office/powerpoint/2010/main" val="2324173899"/>
+      </p:ext>
+    </p:extLst>
+  </p:cSld>
+  <p:clrMapOvr>
+    <a:masterClrMapping/>
+  </p:clrMapOvr>
+</p:notes>
+</file>
+
 <file path=ppt/slideLayouts/slideLayout1.xml><?xml version="1.0" encoding="utf-8"?>
 <p:sldLayout xmlns:a="http://schemas.openxmlformats.org/drawingml/2006/main" xmlns:r="http://schemas.openxmlformats.org/officeDocument/2006/relationships" xmlns:p="http://schemas.openxmlformats.org/presentationml/2006/main" type="title" preserve="1">
   <p:cSld name="Title Slide">
@@ -27719,7 +28157,7 @@
           <a:p>
             <a:fld id="{FBF8E861-9A8C-C641-A3C6-CD6D8B8F1B30}" type="datetimeFigureOut">
               <a:rPr lang="en-US" smtClean="0"/>
-              <a:t>9/10/24</a:t>
+              <a:t>10/15/24</a:t>
             </a:fld>
             <a:endParaRPr lang="en-US"/>
           </a:p>
@@ -27889,7 +28327,7 @@
           <a:p>
             <a:fld id="{FBF8E861-9A8C-C641-A3C6-CD6D8B8F1B30}" type="datetimeFigureOut">
               <a:rPr lang="en-US" smtClean="0"/>
-              <a:t>9/10/24</a:t>
+              <a:t>10/15/24</a:t>
             </a:fld>
             <a:endParaRPr lang="en-US"/>
           </a:p>
@@ -28069,7 +28507,7 @@
           <a:p>
             <a:fld id="{FBF8E861-9A8C-C641-A3C6-CD6D8B8F1B30}" type="datetimeFigureOut">
               <a:rPr lang="en-US" smtClean="0"/>
-              <a:t>9/10/24</a:t>
+              <a:t>10/15/24</a:t>
             </a:fld>
             <a:endParaRPr lang="en-US"/>
           </a:p>
@@ -28239,7 +28677,7 @@
           <a:p>
             <a:fld id="{FBF8E861-9A8C-C641-A3C6-CD6D8B8F1B30}" type="datetimeFigureOut">
               <a:rPr lang="en-US" smtClean="0"/>
-              <a:t>9/10/24</a:t>
+              <a:t>10/15/24</a:t>
             </a:fld>
             <a:endParaRPr lang="en-US"/>
           </a:p>
@@ -28485,7 +28923,7 @@
           <a:p>
             <a:fld id="{FBF8E861-9A8C-C641-A3C6-CD6D8B8F1B30}" type="datetimeFigureOut">
               <a:rPr lang="en-US" smtClean="0"/>
-              <a:t>9/10/24</a:t>
+              <a:t>10/15/24</a:t>
             </a:fld>
             <a:endParaRPr lang="en-US"/>
           </a:p>
@@ -28717,7 +29155,7 @@
           <a:p>
             <a:fld id="{FBF8E861-9A8C-C641-A3C6-CD6D8B8F1B30}" type="datetimeFigureOut">
               <a:rPr lang="en-US" smtClean="0"/>
-              <a:t>9/10/24</a:t>
+              <a:t>10/15/24</a:t>
             </a:fld>
             <a:endParaRPr lang="en-US"/>
           </a:p>
@@ -29084,7 +29522,7 @@
           <a:p>
             <a:fld id="{FBF8E861-9A8C-C641-A3C6-CD6D8B8F1B30}" type="datetimeFigureOut">
               <a:rPr lang="en-US" smtClean="0"/>
-              <a:t>9/10/24</a:t>
+              <a:t>10/15/24</a:t>
             </a:fld>
             <a:endParaRPr lang="en-US"/>
           </a:p>
@@ -29202,7 +29640,7 @@
           <a:p>
             <a:fld id="{FBF8E861-9A8C-C641-A3C6-CD6D8B8F1B30}" type="datetimeFigureOut">
               <a:rPr lang="en-US" smtClean="0"/>
-              <a:t>9/10/24</a:t>
+              <a:t>10/15/24</a:t>
             </a:fld>
             <a:endParaRPr lang="en-US"/>
           </a:p>
@@ -29297,7 +29735,7 @@
           <a:p>
             <a:fld id="{FBF8E861-9A8C-C641-A3C6-CD6D8B8F1B30}" type="datetimeFigureOut">
               <a:rPr lang="en-US" smtClean="0"/>
-              <a:t>9/10/24</a:t>
+              <a:t>10/15/24</a:t>
             </a:fld>
             <a:endParaRPr lang="en-US"/>
           </a:p>
@@ -29574,7 +30012,7 @@
           <a:p>
             <a:fld id="{FBF8E861-9A8C-C641-A3C6-CD6D8B8F1B30}" type="datetimeFigureOut">
               <a:rPr lang="en-US" smtClean="0"/>
-              <a:t>9/10/24</a:t>
+              <a:t>10/15/24</a:t>
             </a:fld>
             <a:endParaRPr lang="en-US"/>
           </a:p>
@@ -29831,7 +30269,7 @@
           <a:p>
             <a:fld id="{FBF8E861-9A8C-C641-A3C6-CD6D8B8F1B30}" type="datetimeFigureOut">
               <a:rPr lang="en-US" smtClean="0"/>
-              <a:t>9/10/24</a:t>
+              <a:t>10/15/24</a:t>
             </a:fld>
             <a:endParaRPr lang="en-US"/>
           </a:p>
@@ -30044,7 +30482,7 @@
           <a:p>
             <a:fld id="{FBF8E861-9A8C-C641-A3C6-CD6D8B8F1B30}" type="datetimeFigureOut">
               <a:rPr lang="en-US" smtClean="0"/>
-              <a:t>9/10/24</a:t>
+              <a:t>10/15/24</a:t>
             </a:fld>
             <a:endParaRPr lang="en-US"/>
           </a:p>
@@ -31475,6 +31913,826 @@
           <p:cNvPr id="2" name="Title 1">
             <a:extLst>
               <a:ext uri="{FF2B5EF4-FFF2-40B4-BE49-F238E27FC236}">
+                <a16:creationId xmlns:a16="http://schemas.microsoft.com/office/drawing/2014/main" id="{A9A02B17-B4F1-D0BD-4122-4CE2D760A732}"/>
+              </a:ext>
+            </a:extLst>
+          </p:cNvPr>
+          <p:cNvSpPr>
+            <a:spLocks noGrp="1"/>
+          </p:cNvSpPr>
+          <p:nvPr>
+            <p:ph type="title"/>
+          </p:nvPr>
+        </p:nvSpPr>
+        <p:spPr>
+          <a:xfrm>
+            <a:off x="1371597" y="348865"/>
+            <a:ext cx="10044023" cy="877729"/>
+          </a:xfrm>
+        </p:spPr>
+        <p:txBody>
+          <a:bodyPr anchor="ctr">
+            <a:normAutofit/>
+          </a:bodyPr>
+          <a:lstStyle/>
+          <a:p>
+            <a:r>
+              <a:rPr lang="en-US" sz="4000">
+                <a:solidFill>
+                  <a:srgbClr val="FFFFFF"/>
+                </a:solidFill>
+              </a:rPr>
+              <a:t>LoRA in Natural Language Processing</a:t>
+            </a:r>
+          </a:p>
+        </p:txBody>
+      </p:sp>
+      <p:graphicFrame>
+        <p:nvGraphicFramePr>
+          <p:cNvPr id="5" name="Content Placeholder 2">
+            <a:extLst>
+              <a:ext uri="{FF2B5EF4-FFF2-40B4-BE49-F238E27FC236}">
+                <a16:creationId xmlns:a16="http://schemas.microsoft.com/office/drawing/2014/main" id="{8217CD2C-C802-9E97-5D85-42894AF79B8F}"/>
+              </a:ext>
+            </a:extLst>
+          </p:cNvPr>
+          <p:cNvGraphicFramePr>
+            <a:graphicFrameLocks noGrp="1"/>
+          </p:cNvGraphicFramePr>
+          <p:nvPr>
+            <p:ph idx="1"/>
+            <p:extLst>
+              <p:ext uri="{D42A27DB-BD31-4B8C-83A1-F6EECF244321}">
+                <p14:modId xmlns:p14="http://schemas.microsoft.com/office/powerpoint/2010/main" val="2173817823"/>
+              </p:ext>
+            </p:extLst>
+          </p:nvPr>
+        </p:nvGraphicFramePr>
+        <p:xfrm>
+          <a:off x="644056" y="2112579"/>
+          <a:ext cx="10927829" cy="4192805"/>
+        </p:xfrm>
+        <a:graphic>
+          <a:graphicData uri="http://schemas.openxmlformats.org/drawingml/2006/diagram">
+            <dgm:relIds xmlns:dgm="http://schemas.openxmlformats.org/drawingml/2006/diagram" xmlns:r="http://schemas.openxmlformats.org/officeDocument/2006/relationships" r:dm="rId2" r:lo="rId3" r:qs="rId4" r:cs="rId5"/>
+          </a:graphicData>
+        </a:graphic>
+      </p:graphicFrame>
+    </p:spTree>
+    <p:extLst>
+      <p:ext uri="{BB962C8B-B14F-4D97-AF65-F5344CB8AC3E}">
+        <p14:creationId xmlns:p14="http://schemas.microsoft.com/office/powerpoint/2010/main" val="3076629339"/>
+      </p:ext>
+    </p:extLst>
+  </p:cSld>
+  <p:clrMapOvr>
+    <a:masterClrMapping/>
+  </p:clrMapOvr>
+</p:sld>
+</file>
+
+<file path=ppt/slides/slide11.xml><?xml version="1.0" encoding="utf-8"?>
+<p:sld xmlns:a="http://schemas.openxmlformats.org/drawingml/2006/main" xmlns:r="http://schemas.openxmlformats.org/officeDocument/2006/relationships" xmlns:p="http://schemas.openxmlformats.org/presentationml/2006/main">
+  <p:cSld>
+    <p:bg>
+      <p:bgPr>
+        <a:solidFill>
+          <a:schemeClr val="bg1"/>
+        </a:solidFill>
+        <a:effectLst/>
+      </p:bgPr>
+    </p:bg>
+    <p:spTree>
+      <p:nvGrpSpPr>
+        <p:cNvPr id="1" name=""/>
+        <p:cNvGrpSpPr/>
+        <p:nvPr/>
+      </p:nvGrpSpPr>
+      <p:grpSpPr>
+        <a:xfrm>
+          <a:off x="0" y="0"/>
+          <a:ext cx="0" cy="0"/>
+          <a:chOff x="0" y="0"/>
+          <a:chExt cx="0" cy="0"/>
+        </a:xfrm>
+      </p:grpSpPr>
+      <p:sp useBgFill="1">
+        <p:nvSpPr>
+          <p:cNvPr id="9" name="Rectangle 8">
+            <a:extLst>
+              <a:ext uri="{FF2B5EF4-FFF2-40B4-BE49-F238E27FC236}">
+                <a16:creationId xmlns:a16="http://schemas.microsoft.com/office/drawing/2014/main" id="{BACC6370-2D7E-4714-9D71-7542949D7D5D}"/>
+              </a:ext>
+              <a:ext uri="{C183D7F6-B498-43B3-948B-1728B52AA6E4}">
+                <adec:decorative xmlns:adec="http://schemas.microsoft.com/office/drawing/2017/decorative" val="1"/>
+              </a:ext>
+            </a:extLst>
+          </p:cNvPr>
+          <p:cNvSpPr>
+            <a:spLocks noGrp="1" noRot="1" noChangeAspect="1" noMove="1" noResize="1" noEditPoints="1" noAdjustHandles="1" noChangeArrowheads="1" noChangeShapeType="1" noTextEdit="1"/>
+          </p:cNvSpPr>
+          <p:nvPr>
+            <p:extLst>
+              <p:ext uri="{386F3935-93C4-4BCD-93E2-E3B085C9AB24}">
+                <p16:designElem xmlns:p16="http://schemas.microsoft.com/office/powerpoint/2015/main" val="1"/>
+              </p:ext>
+            </p:extLst>
+          </p:nvPr>
+        </p:nvSpPr>
+        <p:spPr>
+          <a:xfrm>
+            <a:off x="0" y="0"/>
+            <a:ext cx="12192000" cy="6858000"/>
+          </a:xfrm>
+          <a:prstGeom prst="rect">
+            <a:avLst/>
+          </a:prstGeom>
+          <a:ln w="12700" cap="flat" cmpd="sng" algn="ctr">
+            <a:noFill/>
+            <a:prstDash val="solid"/>
+            <a:miter lim="800000"/>
+          </a:ln>
+          <a:effectLst/>
+          <a:extLst>
+            <a:ext uri="{91240B29-F687-4F45-9708-019B960494DF}">
+              <a14:hiddenLine xmlns:a14="http://schemas.microsoft.com/office/drawing/2010/main" w="12700" cap="flat" cmpd="sng" algn="ctr">
+                <a:solidFill>
+                  <a:schemeClr val="accent1">
+                    <a:shade val="50000"/>
+                  </a:schemeClr>
+                </a:solidFill>
+                <a:prstDash val="solid"/>
+                <a:miter lim="800000"/>
+              </a14:hiddenLine>
+            </a:ext>
+          </a:extLst>
+        </p:spPr>
+        <p:style>
+          <a:lnRef idx="2">
+            <a:schemeClr val="accent1">
+              <a:shade val="50000"/>
+            </a:schemeClr>
+          </a:lnRef>
+          <a:fillRef idx="1">
+            <a:schemeClr val="accent1"/>
+          </a:fillRef>
+          <a:effectRef idx="0">
+            <a:schemeClr val="accent1"/>
+          </a:effectRef>
+          <a:fontRef idx="minor">
+            <a:schemeClr val="lt1"/>
+          </a:fontRef>
+        </p:style>
+        <p:txBody>
+          <a:bodyPr rtlCol="0" anchor="ctr"/>
+          <a:lstStyle/>
+          <a:p>
+            <a:pPr algn="ctr"/>
+            <a:endParaRPr lang="en-US"/>
+          </a:p>
+        </p:txBody>
+      </p:sp>
+      <p:sp>
+        <p:nvSpPr>
+          <p:cNvPr id="11" name="Rectangle 10">
+            <a:extLst>
+              <a:ext uri="{FF2B5EF4-FFF2-40B4-BE49-F238E27FC236}">
+                <a16:creationId xmlns:a16="http://schemas.microsoft.com/office/drawing/2014/main" id="{F68B3F68-107C-434F-AA38-110D5EA91B85}"/>
+              </a:ext>
+              <a:ext uri="{C183D7F6-B498-43B3-948B-1728B52AA6E4}">
+                <adec:decorative xmlns:adec="http://schemas.microsoft.com/office/drawing/2017/decorative" val="1"/>
+              </a:ext>
+            </a:extLst>
+          </p:cNvPr>
+          <p:cNvSpPr>
+            <a:spLocks noGrp="1" noRot="1" noChangeAspect="1" noMove="1" noResize="1" noEditPoints="1" noAdjustHandles="1" noChangeArrowheads="1" noChangeShapeType="1" noTextEdit="1"/>
+          </p:cNvSpPr>
+          <p:nvPr>
+            <p:extLst>
+              <p:ext uri="{386F3935-93C4-4BCD-93E2-E3B085C9AB24}">
+                <p16:designElem xmlns:p16="http://schemas.microsoft.com/office/powerpoint/2015/main" val="1"/>
+              </p:ext>
+            </p:extLst>
+          </p:nvPr>
+        </p:nvSpPr>
+        <p:spPr>
+          <a:xfrm flipH="1">
+            <a:off x="2" y="0"/>
+            <a:ext cx="12191998" cy="1575955"/>
+          </a:xfrm>
+          <a:prstGeom prst="rect">
+            <a:avLst/>
+          </a:prstGeom>
+          <a:gradFill>
+            <a:gsLst>
+              <a:gs pos="0">
+                <a:srgbClr val="000000">
+                  <a:alpha val="96000"/>
+                </a:srgbClr>
+              </a:gs>
+              <a:gs pos="100000">
+                <a:schemeClr val="accent1">
+                  <a:lumMod val="75000"/>
+                </a:schemeClr>
+              </a:gs>
+            </a:gsLst>
+            <a:lin ang="8400000" scaled="0"/>
+          </a:gradFill>
+          <a:ln>
+            <a:noFill/>
+          </a:ln>
+        </p:spPr>
+        <p:style>
+          <a:lnRef idx="2">
+            <a:schemeClr val="accent1">
+              <a:shade val="50000"/>
+            </a:schemeClr>
+          </a:lnRef>
+          <a:fillRef idx="1">
+            <a:schemeClr val="accent1"/>
+          </a:fillRef>
+          <a:effectRef idx="0">
+            <a:schemeClr val="accent1"/>
+          </a:effectRef>
+          <a:fontRef idx="minor">
+            <a:schemeClr val="lt1"/>
+          </a:fontRef>
+        </p:style>
+        <p:txBody>
+          <a:bodyPr rtlCol="0" anchor="ctr"/>
+          <a:lstStyle/>
+          <a:p>
+            <a:pPr algn="ctr"/>
+            <a:endParaRPr lang="en-US"/>
+          </a:p>
+        </p:txBody>
+      </p:sp>
+      <p:sp>
+        <p:nvSpPr>
+          <p:cNvPr id="13" name="Rectangle 12">
+            <a:extLst>
+              <a:ext uri="{FF2B5EF4-FFF2-40B4-BE49-F238E27FC236}">
+                <a16:creationId xmlns:a16="http://schemas.microsoft.com/office/drawing/2014/main" id="{AAD0DBB9-1A4B-4391-81D4-CB19F9AB918A}"/>
+              </a:ext>
+              <a:ext uri="{C183D7F6-B498-43B3-948B-1728B52AA6E4}">
+                <adec:decorative xmlns:adec="http://schemas.microsoft.com/office/drawing/2017/decorative" val="1"/>
+              </a:ext>
+            </a:extLst>
+          </p:cNvPr>
+          <p:cNvSpPr>
+            <a:spLocks noGrp="1" noRot="1" noChangeAspect="1" noMove="1" noResize="1" noEditPoints="1" noAdjustHandles="1" noChangeArrowheads="1" noChangeShapeType="1" noTextEdit="1"/>
+          </p:cNvSpPr>
+          <p:nvPr>
+            <p:extLst>
+              <p:ext uri="{386F3935-93C4-4BCD-93E2-E3B085C9AB24}">
+                <p16:designElem xmlns:p16="http://schemas.microsoft.com/office/powerpoint/2015/main" val="1"/>
+              </p:ext>
+            </p:extLst>
+          </p:nvPr>
+        </p:nvSpPr>
+        <p:spPr>
+          <a:xfrm rot="10800000" flipH="1">
+            <a:off x="8128857" y="0"/>
+            <a:ext cx="4063143" cy="1576412"/>
+          </a:xfrm>
+          <a:prstGeom prst="rect">
+            <a:avLst/>
+          </a:prstGeom>
+          <a:gradFill>
+            <a:gsLst>
+              <a:gs pos="19000">
+                <a:schemeClr val="accent1">
+                  <a:lumMod val="50000"/>
+                  <a:alpha val="68000"/>
+                </a:schemeClr>
+              </a:gs>
+              <a:gs pos="100000">
+                <a:schemeClr val="accent1">
+                  <a:alpha val="79000"/>
+                </a:schemeClr>
+              </a:gs>
+            </a:gsLst>
+            <a:lin ang="19200000" scaled="0"/>
+          </a:gradFill>
+          <a:ln>
+            <a:noFill/>
+          </a:ln>
+        </p:spPr>
+        <p:style>
+          <a:lnRef idx="2">
+            <a:schemeClr val="accent1">
+              <a:shade val="50000"/>
+            </a:schemeClr>
+          </a:lnRef>
+          <a:fillRef idx="1">
+            <a:schemeClr val="accent1"/>
+          </a:fillRef>
+          <a:effectRef idx="0">
+            <a:schemeClr val="accent1"/>
+          </a:effectRef>
+          <a:fontRef idx="minor">
+            <a:schemeClr val="lt1"/>
+          </a:fontRef>
+        </p:style>
+        <p:txBody>
+          <a:bodyPr rtlCol="0" anchor="ctr"/>
+          <a:lstStyle/>
+          <a:p>
+            <a:pPr algn="ctr"/>
+            <a:endParaRPr lang="en-US"/>
+          </a:p>
+        </p:txBody>
+      </p:sp>
+      <p:sp>
+        <p:nvSpPr>
+          <p:cNvPr id="15" name="Rectangle 14">
+            <a:extLst>
+              <a:ext uri="{FF2B5EF4-FFF2-40B4-BE49-F238E27FC236}">
+                <a16:creationId xmlns:a16="http://schemas.microsoft.com/office/drawing/2014/main" id="{063BBA22-50EA-4C4D-BE05-F1CE4E63AA56}"/>
+              </a:ext>
+              <a:ext uri="{C183D7F6-B498-43B3-948B-1728B52AA6E4}">
+                <adec:decorative xmlns:adec="http://schemas.microsoft.com/office/drawing/2017/decorative" val="1"/>
+              </a:ext>
+            </a:extLst>
+          </p:cNvPr>
+          <p:cNvSpPr>
+            <a:spLocks noGrp="1" noRot="1" noChangeAspect="1" noMove="1" noResize="1" noEditPoints="1" noAdjustHandles="1" noChangeArrowheads="1" noChangeShapeType="1" noTextEdit="1"/>
+          </p:cNvSpPr>
+          <p:nvPr>
+            <p:extLst>
+              <p:ext uri="{386F3935-93C4-4BCD-93E2-E3B085C9AB24}">
+                <p16:designElem xmlns:p16="http://schemas.microsoft.com/office/powerpoint/2015/main" val="1"/>
+              </p:ext>
+            </p:extLst>
+          </p:nvPr>
+        </p:nvSpPr>
+        <p:spPr>
+          <a:xfrm rot="5400000">
+            <a:off x="5307777" y="-5307778"/>
+            <a:ext cx="1576446" cy="12192002"/>
+          </a:xfrm>
+          <a:prstGeom prst="rect">
+            <a:avLst/>
+          </a:prstGeom>
+          <a:gradFill>
+            <a:gsLst>
+              <a:gs pos="23000">
+                <a:schemeClr val="accent1">
+                  <a:alpha val="0"/>
+                </a:schemeClr>
+              </a:gs>
+              <a:gs pos="99000">
+                <a:srgbClr val="000000">
+                  <a:alpha val="74000"/>
+                </a:srgbClr>
+              </a:gs>
+            </a:gsLst>
+            <a:lin ang="20400000" scaled="0"/>
+          </a:gradFill>
+          <a:ln>
+            <a:noFill/>
+          </a:ln>
+        </p:spPr>
+        <p:style>
+          <a:lnRef idx="2">
+            <a:schemeClr val="accent1">
+              <a:shade val="50000"/>
+            </a:schemeClr>
+          </a:lnRef>
+          <a:fillRef idx="1">
+            <a:schemeClr val="accent1"/>
+          </a:fillRef>
+          <a:effectRef idx="0">
+            <a:schemeClr val="accent1"/>
+          </a:effectRef>
+          <a:fontRef idx="minor">
+            <a:schemeClr val="lt1"/>
+          </a:fontRef>
+        </p:style>
+        <p:txBody>
+          <a:bodyPr rtlCol="0" anchor="ctr"/>
+          <a:lstStyle/>
+          <a:p>
+            <a:pPr algn="ctr"/>
+            <a:endParaRPr lang="en-US" dirty="0"/>
+          </a:p>
+        </p:txBody>
+      </p:sp>
+      <p:sp>
+        <p:nvSpPr>
+          <p:cNvPr id="2" name="Title 1">
+            <a:extLst>
+              <a:ext uri="{FF2B5EF4-FFF2-40B4-BE49-F238E27FC236}">
+                <a16:creationId xmlns:a16="http://schemas.microsoft.com/office/drawing/2014/main" id="{1498ED17-AD7B-B834-48F8-272D255024D0}"/>
+              </a:ext>
+            </a:extLst>
+          </p:cNvPr>
+          <p:cNvSpPr>
+            <a:spLocks noGrp="1"/>
+          </p:cNvSpPr>
+          <p:nvPr>
+            <p:ph type="title"/>
+          </p:nvPr>
+        </p:nvSpPr>
+        <p:spPr>
+          <a:xfrm>
+            <a:off x="1371597" y="348865"/>
+            <a:ext cx="10044023" cy="877729"/>
+          </a:xfrm>
+        </p:spPr>
+        <p:txBody>
+          <a:bodyPr anchor="ctr">
+            <a:normAutofit/>
+          </a:bodyPr>
+          <a:lstStyle/>
+          <a:p>
+            <a:r>
+              <a:rPr lang="en-US" sz="4000">
+                <a:solidFill>
+                  <a:srgbClr val="FFFFFF"/>
+                </a:solidFill>
+              </a:rPr>
+              <a:t>Challenges with LoRA</a:t>
+            </a:r>
+          </a:p>
+        </p:txBody>
+      </p:sp>
+      <p:graphicFrame>
+        <p:nvGraphicFramePr>
+          <p:cNvPr id="5" name="Content Placeholder 2">
+            <a:extLst>
+              <a:ext uri="{FF2B5EF4-FFF2-40B4-BE49-F238E27FC236}">
+                <a16:creationId xmlns:a16="http://schemas.microsoft.com/office/drawing/2014/main" id="{44A74295-ACD4-766B-5409-82E44345DEE1}"/>
+              </a:ext>
+            </a:extLst>
+          </p:cNvPr>
+          <p:cNvGraphicFramePr>
+            <a:graphicFrameLocks noGrp="1"/>
+          </p:cNvGraphicFramePr>
+          <p:nvPr>
+            <p:ph idx="1"/>
+            <p:extLst>
+              <p:ext uri="{D42A27DB-BD31-4B8C-83A1-F6EECF244321}">
+                <p14:modId xmlns:p14="http://schemas.microsoft.com/office/powerpoint/2010/main" val="1098503471"/>
+              </p:ext>
+            </p:extLst>
+          </p:nvPr>
+        </p:nvGraphicFramePr>
+        <p:xfrm>
+          <a:off x="644056" y="2112579"/>
+          <a:ext cx="10927829" cy="4192805"/>
+        </p:xfrm>
+        <a:graphic>
+          <a:graphicData uri="http://schemas.openxmlformats.org/drawingml/2006/diagram">
+            <dgm:relIds xmlns:dgm="http://schemas.openxmlformats.org/drawingml/2006/diagram" xmlns:r="http://schemas.openxmlformats.org/officeDocument/2006/relationships" r:dm="rId2" r:lo="rId3" r:qs="rId4" r:cs="rId5"/>
+          </a:graphicData>
+        </a:graphic>
+      </p:graphicFrame>
+    </p:spTree>
+    <p:extLst>
+      <p:ext uri="{BB962C8B-B14F-4D97-AF65-F5344CB8AC3E}">
+        <p14:creationId xmlns:p14="http://schemas.microsoft.com/office/powerpoint/2010/main" val="3370610235"/>
+      </p:ext>
+    </p:extLst>
+  </p:cSld>
+  <p:clrMapOvr>
+    <a:masterClrMapping/>
+  </p:clrMapOvr>
+</p:sld>
+</file>
+
+<file path=ppt/slides/slide12.xml><?xml version="1.0" encoding="utf-8"?>
+<p:sld xmlns:a="http://schemas.openxmlformats.org/drawingml/2006/main" xmlns:r="http://schemas.openxmlformats.org/officeDocument/2006/relationships" xmlns:p="http://schemas.openxmlformats.org/presentationml/2006/main">
+  <p:cSld>
+    <p:bg>
+      <p:bgPr>
+        <a:solidFill>
+          <a:schemeClr val="bg1"/>
+        </a:solidFill>
+        <a:effectLst/>
+      </p:bgPr>
+    </p:bg>
+    <p:spTree>
+      <p:nvGrpSpPr>
+        <p:cNvPr id="1" name=""/>
+        <p:cNvGrpSpPr/>
+        <p:nvPr/>
+      </p:nvGrpSpPr>
+      <p:grpSpPr>
+        <a:xfrm>
+          <a:off x="0" y="0"/>
+          <a:ext cx="0" cy="0"/>
+          <a:chOff x="0" y="0"/>
+          <a:chExt cx="0" cy="0"/>
+        </a:xfrm>
+      </p:grpSpPr>
+      <p:sp useBgFill="1">
+        <p:nvSpPr>
+          <p:cNvPr id="9" name="Rectangle 8">
+            <a:extLst>
+              <a:ext uri="{FF2B5EF4-FFF2-40B4-BE49-F238E27FC236}">
+                <a16:creationId xmlns:a16="http://schemas.microsoft.com/office/drawing/2014/main" id="{BACC6370-2D7E-4714-9D71-7542949D7D5D}"/>
+              </a:ext>
+              <a:ext uri="{C183D7F6-B498-43B3-948B-1728B52AA6E4}">
+                <adec:decorative xmlns:adec="http://schemas.microsoft.com/office/drawing/2017/decorative" val="1"/>
+              </a:ext>
+            </a:extLst>
+          </p:cNvPr>
+          <p:cNvSpPr>
+            <a:spLocks noGrp="1" noRot="1" noChangeAspect="1" noMove="1" noResize="1" noEditPoints="1" noAdjustHandles="1" noChangeArrowheads="1" noChangeShapeType="1" noTextEdit="1"/>
+          </p:cNvSpPr>
+          <p:nvPr>
+            <p:extLst>
+              <p:ext uri="{386F3935-93C4-4BCD-93E2-E3B085C9AB24}">
+                <p16:designElem xmlns:p16="http://schemas.microsoft.com/office/powerpoint/2015/main" val="1"/>
+              </p:ext>
+            </p:extLst>
+          </p:nvPr>
+        </p:nvSpPr>
+        <p:spPr>
+          <a:xfrm>
+            <a:off x="0" y="0"/>
+            <a:ext cx="12192000" cy="6858000"/>
+          </a:xfrm>
+          <a:prstGeom prst="rect">
+            <a:avLst/>
+          </a:prstGeom>
+          <a:ln w="12700" cap="flat" cmpd="sng" algn="ctr">
+            <a:noFill/>
+            <a:prstDash val="solid"/>
+            <a:miter lim="800000"/>
+          </a:ln>
+          <a:effectLst/>
+          <a:extLst>
+            <a:ext uri="{91240B29-F687-4F45-9708-019B960494DF}">
+              <a14:hiddenLine xmlns:a14="http://schemas.microsoft.com/office/drawing/2010/main" w="12700" cap="flat" cmpd="sng" algn="ctr">
+                <a:solidFill>
+                  <a:schemeClr val="accent1">
+                    <a:shade val="50000"/>
+                  </a:schemeClr>
+                </a:solidFill>
+                <a:prstDash val="solid"/>
+                <a:miter lim="800000"/>
+              </a14:hiddenLine>
+            </a:ext>
+          </a:extLst>
+        </p:spPr>
+        <p:style>
+          <a:lnRef idx="2">
+            <a:schemeClr val="accent1">
+              <a:shade val="50000"/>
+            </a:schemeClr>
+          </a:lnRef>
+          <a:fillRef idx="1">
+            <a:schemeClr val="accent1"/>
+          </a:fillRef>
+          <a:effectRef idx="0">
+            <a:schemeClr val="accent1"/>
+          </a:effectRef>
+          <a:fontRef idx="minor">
+            <a:schemeClr val="lt1"/>
+          </a:fontRef>
+        </p:style>
+        <p:txBody>
+          <a:bodyPr rtlCol="0" anchor="ctr"/>
+          <a:lstStyle/>
+          <a:p>
+            <a:pPr algn="ctr"/>
+            <a:endParaRPr lang="en-US"/>
+          </a:p>
+        </p:txBody>
+      </p:sp>
+      <p:sp>
+        <p:nvSpPr>
+          <p:cNvPr id="11" name="Rectangle 10">
+            <a:extLst>
+              <a:ext uri="{FF2B5EF4-FFF2-40B4-BE49-F238E27FC236}">
+                <a16:creationId xmlns:a16="http://schemas.microsoft.com/office/drawing/2014/main" id="{F68B3F68-107C-434F-AA38-110D5EA91B85}"/>
+              </a:ext>
+              <a:ext uri="{C183D7F6-B498-43B3-948B-1728B52AA6E4}">
+                <adec:decorative xmlns:adec="http://schemas.microsoft.com/office/drawing/2017/decorative" val="1"/>
+              </a:ext>
+            </a:extLst>
+          </p:cNvPr>
+          <p:cNvSpPr>
+            <a:spLocks noGrp="1" noRot="1" noChangeAspect="1" noMove="1" noResize="1" noEditPoints="1" noAdjustHandles="1" noChangeArrowheads="1" noChangeShapeType="1" noTextEdit="1"/>
+          </p:cNvSpPr>
+          <p:nvPr>
+            <p:extLst>
+              <p:ext uri="{386F3935-93C4-4BCD-93E2-E3B085C9AB24}">
+                <p16:designElem xmlns:p16="http://schemas.microsoft.com/office/powerpoint/2015/main" val="1"/>
+              </p:ext>
+            </p:extLst>
+          </p:nvPr>
+        </p:nvSpPr>
+        <p:spPr>
+          <a:xfrm flipH="1">
+            <a:off x="2" y="0"/>
+            <a:ext cx="12191998" cy="1575955"/>
+          </a:xfrm>
+          <a:prstGeom prst="rect">
+            <a:avLst/>
+          </a:prstGeom>
+          <a:gradFill>
+            <a:gsLst>
+              <a:gs pos="0">
+                <a:srgbClr val="000000">
+                  <a:alpha val="96000"/>
+                </a:srgbClr>
+              </a:gs>
+              <a:gs pos="100000">
+                <a:schemeClr val="accent1">
+                  <a:lumMod val="75000"/>
+                </a:schemeClr>
+              </a:gs>
+            </a:gsLst>
+            <a:lin ang="8400000" scaled="0"/>
+          </a:gradFill>
+          <a:ln>
+            <a:noFill/>
+          </a:ln>
+        </p:spPr>
+        <p:style>
+          <a:lnRef idx="2">
+            <a:schemeClr val="accent1">
+              <a:shade val="50000"/>
+            </a:schemeClr>
+          </a:lnRef>
+          <a:fillRef idx="1">
+            <a:schemeClr val="accent1"/>
+          </a:fillRef>
+          <a:effectRef idx="0">
+            <a:schemeClr val="accent1"/>
+          </a:effectRef>
+          <a:fontRef idx="minor">
+            <a:schemeClr val="lt1"/>
+          </a:fontRef>
+        </p:style>
+        <p:txBody>
+          <a:bodyPr rtlCol="0" anchor="ctr"/>
+          <a:lstStyle/>
+          <a:p>
+            <a:pPr algn="ctr"/>
+            <a:endParaRPr lang="en-US"/>
+          </a:p>
+        </p:txBody>
+      </p:sp>
+      <p:sp>
+        <p:nvSpPr>
+          <p:cNvPr id="13" name="Rectangle 12">
+            <a:extLst>
+              <a:ext uri="{FF2B5EF4-FFF2-40B4-BE49-F238E27FC236}">
+                <a16:creationId xmlns:a16="http://schemas.microsoft.com/office/drawing/2014/main" id="{AAD0DBB9-1A4B-4391-81D4-CB19F9AB918A}"/>
+              </a:ext>
+              <a:ext uri="{C183D7F6-B498-43B3-948B-1728B52AA6E4}">
+                <adec:decorative xmlns:adec="http://schemas.microsoft.com/office/drawing/2017/decorative" val="1"/>
+              </a:ext>
+            </a:extLst>
+          </p:cNvPr>
+          <p:cNvSpPr>
+            <a:spLocks noGrp="1" noRot="1" noChangeAspect="1" noMove="1" noResize="1" noEditPoints="1" noAdjustHandles="1" noChangeArrowheads="1" noChangeShapeType="1" noTextEdit="1"/>
+          </p:cNvSpPr>
+          <p:nvPr>
+            <p:extLst>
+              <p:ext uri="{386F3935-93C4-4BCD-93E2-E3B085C9AB24}">
+                <p16:designElem xmlns:p16="http://schemas.microsoft.com/office/powerpoint/2015/main" val="1"/>
+              </p:ext>
+            </p:extLst>
+          </p:nvPr>
+        </p:nvSpPr>
+        <p:spPr>
+          <a:xfrm rot="10800000" flipH="1">
+            <a:off x="8128857" y="0"/>
+            <a:ext cx="4063143" cy="1576412"/>
+          </a:xfrm>
+          <a:prstGeom prst="rect">
+            <a:avLst/>
+          </a:prstGeom>
+          <a:gradFill>
+            <a:gsLst>
+              <a:gs pos="19000">
+                <a:schemeClr val="accent1">
+                  <a:lumMod val="50000"/>
+                  <a:alpha val="68000"/>
+                </a:schemeClr>
+              </a:gs>
+              <a:gs pos="100000">
+                <a:schemeClr val="accent1">
+                  <a:alpha val="79000"/>
+                </a:schemeClr>
+              </a:gs>
+            </a:gsLst>
+            <a:lin ang="19200000" scaled="0"/>
+          </a:gradFill>
+          <a:ln>
+            <a:noFill/>
+          </a:ln>
+        </p:spPr>
+        <p:style>
+          <a:lnRef idx="2">
+            <a:schemeClr val="accent1">
+              <a:shade val="50000"/>
+            </a:schemeClr>
+          </a:lnRef>
+          <a:fillRef idx="1">
+            <a:schemeClr val="accent1"/>
+          </a:fillRef>
+          <a:effectRef idx="0">
+            <a:schemeClr val="accent1"/>
+          </a:effectRef>
+          <a:fontRef idx="minor">
+            <a:schemeClr val="lt1"/>
+          </a:fontRef>
+        </p:style>
+        <p:txBody>
+          <a:bodyPr rtlCol="0" anchor="ctr"/>
+          <a:lstStyle/>
+          <a:p>
+            <a:pPr algn="ctr"/>
+            <a:endParaRPr lang="en-US"/>
+          </a:p>
+        </p:txBody>
+      </p:sp>
+      <p:sp>
+        <p:nvSpPr>
+          <p:cNvPr id="15" name="Rectangle 14">
+            <a:extLst>
+              <a:ext uri="{FF2B5EF4-FFF2-40B4-BE49-F238E27FC236}">
+                <a16:creationId xmlns:a16="http://schemas.microsoft.com/office/drawing/2014/main" id="{063BBA22-50EA-4C4D-BE05-F1CE4E63AA56}"/>
+              </a:ext>
+              <a:ext uri="{C183D7F6-B498-43B3-948B-1728B52AA6E4}">
+                <adec:decorative xmlns:adec="http://schemas.microsoft.com/office/drawing/2017/decorative" val="1"/>
+              </a:ext>
+            </a:extLst>
+          </p:cNvPr>
+          <p:cNvSpPr>
+            <a:spLocks noGrp="1" noRot="1" noChangeAspect="1" noMove="1" noResize="1" noEditPoints="1" noAdjustHandles="1" noChangeArrowheads="1" noChangeShapeType="1" noTextEdit="1"/>
+          </p:cNvSpPr>
+          <p:nvPr>
+            <p:extLst>
+              <p:ext uri="{386F3935-93C4-4BCD-93E2-E3B085C9AB24}">
+                <p16:designElem xmlns:p16="http://schemas.microsoft.com/office/powerpoint/2015/main" val="1"/>
+              </p:ext>
+            </p:extLst>
+          </p:nvPr>
+        </p:nvSpPr>
+        <p:spPr>
+          <a:xfrm rot="5400000">
+            <a:off x="5307777" y="-5307778"/>
+            <a:ext cx="1576446" cy="12192002"/>
+          </a:xfrm>
+          <a:prstGeom prst="rect">
+            <a:avLst/>
+          </a:prstGeom>
+          <a:gradFill>
+            <a:gsLst>
+              <a:gs pos="23000">
+                <a:schemeClr val="accent1">
+                  <a:alpha val="0"/>
+                </a:schemeClr>
+              </a:gs>
+              <a:gs pos="99000">
+                <a:srgbClr val="000000">
+                  <a:alpha val="74000"/>
+                </a:srgbClr>
+              </a:gs>
+            </a:gsLst>
+            <a:lin ang="20400000" scaled="0"/>
+          </a:gradFill>
+          <a:ln>
+            <a:noFill/>
+          </a:ln>
+        </p:spPr>
+        <p:style>
+          <a:lnRef idx="2">
+            <a:schemeClr val="accent1">
+              <a:shade val="50000"/>
+            </a:schemeClr>
+          </a:lnRef>
+          <a:fillRef idx="1">
+            <a:schemeClr val="accent1"/>
+          </a:fillRef>
+          <a:effectRef idx="0">
+            <a:schemeClr val="accent1"/>
+          </a:effectRef>
+          <a:fontRef idx="minor">
+            <a:schemeClr val="lt1"/>
+          </a:fontRef>
+        </p:style>
+        <p:txBody>
+          <a:bodyPr rtlCol="0" anchor="ctr"/>
+          <a:lstStyle/>
+          <a:p>
+            <a:pPr algn="ctr"/>
+            <a:endParaRPr lang="en-US" dirty="0"/>
+          </a:p>
+        </p:txBody>
+      </p:sp>
+      <p:sp>
+        <p:nvSpPr>
+          <p:cNvPr id="2" name="Title 1">
+            <a:extLst>
+              <a:ext uri="{FF2B5EF4-FFF2-40B4-BE49-F238E27FC236}">
                 <a16:creationId xmlns:a16="http://schemas.microsoft.com/office/drawing/2014/main" id="{ED8D334B-C519-7237-EFD9-E8EBA1478C3F}"/>
               </a:ext>
             </a:extLst>
@@ -31553,7 +32811,7 @@
 </p:sld>
 </file>
 
-<file path=ppt/slides/slide11.xml><?xml version="1.0" encoding="utf-8"?>
+<file path=ppt/slides/slide13.xml><?xml version="1.0" encoding="utf-8"?>
 <p:sld xmlns:a="http://schemas.openxmlformats.org/drawingml/2006/main" xmlns:r="http://schemas.openxmlformats.org/officeDocument/2006/relationships" xmlns:p="http://schemas.openxmlformats.org/presentationml/2006/main">
   <p:cSld>
     <p:bg>
@@ -37231,6 +38489,596 @@
       </p:grpSpPr>
       <p:sp useBgFill="1">
         <p:nvSpPr>
+          <p:cNvPr id="15" name="Rectangle 14">
+            <a:extLst>
+              <a:ext uri="{FF2B5EF4-FFF2-40B4-BE49-F238E27FC236}">
+                <a16:creationId xmlns:a16="http://schemas.microsoft.com/office/drawing/2014/main" id="{AB8C311F-7253-4AED-9701-7FC0708C41C7}"/>
+              </a:ext>
+              <a:ext uri="{C183D7F6-B498-43B3-948B-1728B52AA6E4}">
+                <adec:decorative xmlns:adec="http://schemas.microsoft.com/office/drawing/2017/decorative" val="1"/>
+              </a:ext>
+            </a:extLst>
+          </p:cNvPr>
+          <p:cNvSpPr>
+            <a:spLocks noGrp="1" noRot="1" noChangeAspect="1" noMove="1" noResize="1" noEditPoints="1" noAdjustHandles="1" noChangeArrowheads="1" noChangeShapeType="1" noTextEdit="1"/>
+          </p:cNvSpPr>
+          <p:nvPr>
+            <p:extLst>
+              <p:ext uri="{386F3935-93C4-4BCD-93E2-E3B085C9AB24}">
+                <p16:designElem xmlns:p16="http://schemas.microsoft.com/office/powerpoint/2015/main" val="1"/>
+              </p:ext>
+            </p:extLst>
+          </p:nvPr>
+        </p:nvSpPr>
+        <p:spPr>
+          <a:xfrm>
+            <a:off x="0" y="0"/>
+            <a:ext cx="12192000" cy="6858000"/>
+          </a:xfrm>
+          <a:prstGeom prst="rect">
+            <a:avLst/>
+          </a:prstGeom>
+          <a:ln w="12700" cap="flat" cmpd="sng" algn="ctr">
+            <a:noFill/>
+            <a:prstDash val="solid"/>
+            <a:miter lim="800000"/>
+          </a:ln>
+          <a:effectLst/>
+          <a:extLst>
+            <a:ext uri="{91240B29-F687-4F45-9708-019B960494DF}">
+              <a14:hiddenLine xmlns:a14="http://schemas.microsoft.com/office/drawing/2010/main" w="12700" cap="flat" cmpd="sng" algn="ctr">
+                <a:solidFill>
+                  <a:schemeClr val="accent1">
+                    <a:shade val="50000"/>
+                  </a:schemeClr>
+                </a:solidFill>
+                <a:prstDash val="solid"/>
+                <a:miter lim="800000"/>
+              </a14:hiddenLine>
+            </a:ext>
+          </a:extLst>
+        </p:spPr>
+        <p:style>
+          <a:lnRef idx="2">
+            <a:schemeClr val="accent1">
+              <a:shade val="50000"/>
+            </a:schemeClr>
+          </a:lnRef>
+          <a:fillRef idx="1">
+            <a:schemeClr val="accent1"/>
+          </a:fillRef>
+          <a:effectRef idx="0">
+            <a:schemeClr val="accent1"/>
+          </a:effectRef>
+          <a:fontRef idx="minor">
+            <a:schemeClr val="lt1"/>
+          </a:fontRef>
+        </p:style>
+        <p:txBody>
+          <a:bodyPr rtlCol="0" anchor="ctr"/>
+          <a:lstStyle/>
+          <a:p>
+            <a:pPr algn="ctr"/>
+            <a:endParaRPr lang="en-US"/>
+          </a:p>
+        </p:txBody>
+      </p:sp>
+      <p:sp>
+        <p:nvSpPr>
+          <p:cNvPr id="17" name="Rectangle 16">
+            <a:extLst>
+              <a:ext uri="{FF2B5EF4-FFF2-40B4-BE49-F238E27FC236}">
+                <a16:creationId xmlns:a16="http://schemas.microsoft.com/office/drawing/2014/main" id="{E2384209-CB15-4CDF-9D31-C44FD9A3F20D}"/>
+              </a:ext>
+              <a:ext uri="{C183D7F6-B498-43B3-948B-1728B52AA6E4}">
+                <adec:decorative xmlns:adec="http://schemas.microsoft.com/office/drawing/2017/decorative" val="1"/>
+              </a:ext>
+            </a:extLst>
+          </p:cNvPr>
+          <p:cNvSpPr>
+            <a:spLocks noGrp="1" noRot="1" noChangeAspect="1" noMove="1" noResize="1" noEditPoints="1" noAdjustHandles="1" noChangeArrowheads="1" noChangeShapeType="1" noTextEdit="1"/>
+          </p:cNvSpPr>
+          <p:nvPr>
+            <p:extLst>
+              <p:ext uri="{386F3935-93C4-4BCD-93E2-E3B085C9AB24}">
+                <p16:designElem xmlns:p16="http://schemas.microsoft.com/office/powerpoint/2015/main" val="1"/>
+              </p:ext>
+            </p:extLst>
+          </p:nvPr>
+        </p:nvSpPr>
+        <p:spPr>
+          <a:xfrm rot="16200000" flipH="1">
+            <a:off x="2666617" y="-2666188"/>
+            <a:ext cx="6858000" cy="12191233"/>
+          </a:xfrm>
+          <a:prstGeom prst="rect">
+            <a:avLst/>
+          </a:prstGeom>
+          <a:gradFill>
+            <a:gsLst>
+              <a:gs pos="8000">
+                <a:schemeClr val="accent1"/>
+              </a:gs>
+              <a:gs pos="100000">
+                <a:schemeClr val="accent1">
+                  <a:lumMod val="50000"/>
+                </a:schemeClr>
+              </a:gs>
+            </a:gsLst>
+            <a:lin ang="12000000" scaled="0"/>
+          </a:gradFill>
+          <a:ln>
+            <a:noFill/>
+          </a:ln>
+        </p:spPr>
+        <p:style>
+          <a:lnRef idx="2">
+            <a:schemeClr val="accent1">
+              <a:shade val="50000"/>
+            </a:schemeClr>
+          </a:lnRef>
+          <a:fillRef idx="1">
+            <a:schemeClr val="accent1"/>
+          </a:fillRef>
+          <a:effectRef idx="0">
+            <a:schemeClr val="accent1"/>
+          </a:effectRef>
+          <a:fontRef idx="minor">
+            <a:schemeClr val="lt1"/>
+          </a:fontRef>
+        </p:style>
+        <p:txBody>
+          <a:bodyPr rtlCol="0" anchor="ctr"/>
+          <a:lstStyle/>
+          <a:p>
+            <a:pPr algn="ctr"/>
+            <a:endParaRPr lang="en-US"/>
+          </a:p>
+        </p:txBody>
+      </p:sp>
+      <p:sp>
+        <p:nvSpPr>
+          <p:cNvPr id="19" name="Rectangle 18">
+            <a:extLst>
+              <a:ext uri="{FF2B5EF4-FFF2-40B4-BE49-F238E27FC236}">
+                <a16:creationId xmlns:a16="http://schemas.microsoft.com/office/drawing/2014/main" id="{2633B3B5-CC90-43F0-8714-D31D1F3F0209}"/>
+              </a:ext>
+              <a:ext uri="{C183D7F6-B498-43B3-948B-1728B52AA6E4}">
+                <adec:decorative xmlns:adec="http://schemas.microsoft.com/office/drawing/2017/decorative" val="1"/>
+              </a:ext>
+            </a:extLst>
+          </p:cNvPr>
+          <p:cNvSpPr>
+            <a:spLocks noGrp="1" noRot="1" noChangeAspect="1" noMove="1" noResize="1" noEditPoints="1" noAdjustHandles="1" noChangeArrowheads="1" noChangeShapeType="1" noTextEdit="1"/>
+          </p:cNvSpPr>
+          <p:nvPr>
+            <p:extLst>
+              <p:ext uri="{386F3935-93C4-4BCD-93E2-E3B085C9AB24}">
+                <p16:designElem xmlns:p16="http://schemas.microsoft.com/office/powerpoint/2015/main" val="1"/>
+              </p:ext>
+            </p:extLst>
+          </p:nvPr>
+        </p:nvSpPr>
+        <p:spPr>
+          <a:xfrm rot="10800000" flipH="1">
+            <a:off x="-2311" y="0"/>
+            <a:ext cx="9070846" cy="6857572"/>
+          </a:xfrm>
+          <a:prstGeom prst="rect">
+            <a:avLst/>
+          </a:prstGeom>
+          <a:gradFill>
+            <a:gsLst>
+              <a:gs pos="8000">
+                <a:srgbClr val="000000">
+                  <a:alpha val="52000"/>
+                </a:srgbClr>
+              </a:gs>
+              <a:gs pos="100000">
+                <a:schemeClr val="accent1"/>
+              </a:gs>
+            </a:gsLst>
+            <a:lin ang="4800000" scaled="0"/>
+          </a:gradFill>
+          <a:ln>
+            <a:noFill/>
+          </a:ln>
+        </p:spPr>
+        <p:style>
+          <a:lnRef idx="2">
+            <a:schemeClr val="accent1">
+              <a:shade val="50000"/>
+            </a:schemeClr>
+          </a:lnRef>
+          <a:fillRef idx="1">
+            <a:schemeClr val="accent1"/>
+          </a:fillRef>
+          <a:effectRef idx="0">
+            <a:schemeClr val="accent1"/>
+          </a:effectRef>
+          <a:fontRef idx="minor">
+            <a:schemeClr val="lt1"/>
+          </a:fontRef>
+        </p:style>
+        <p:txBody>
+          <a:bodyPr rtlCol="0" anchor="ctr"/>
+          <a:lstStyle/>
+          <a:p>
+            <a:pPr algn="ctr"/>
+            <a:endParaRPr lang="en-US"/>
+          </a:p>
+        </p:txBody>
+      </p:sp>
+      <p:sp>
+        <p:nvSpPr>
+          <p:cNvPr id="21" name="Rectangle 20">
+            <a:extLst>
+              <a:ext uri="{FF2B5EF4-FFF2-40B4-BE49-F238E27FC236}">
+                <a16:creationId xmlns:a16="http://schemas.microsoft.com/office/drawing/2014/main" id="{A8D57A06-A426-446D-B02C-A2DC6B62E45E}"/>
+              </a:ext>
+              <a:ext uri="{C183D7F6-B498-43B3-948B-1728B52AA6E4}">
+                <adec:decorative xmlns:adec="http://schemas.microsoft.com/office/drawing/2017/decorative" val="1"/>
+              </a:ext>
+            </a:extLst>
+          </p:cNvPr>
+          <p:cNvSpPr>
+            <a:spLocks noGrp="1" noRot="1" noChangeAspect="1" noMove="1" noResize="1" noEditPoints="1" noAdjustHandles="1" noChangeArrowheads="1" noChangeShapeType="1" noTextEdit="1"/>
+          </p:cNvSpPr>
+          <p:nvPr>
+            <p:extLst>
+              <p:ext uri="{386F3935-93C4-4BCD-93E2-E3B085C9AB24}">
+                <p16:designElem xmlns:p16="http://schemas.microsoft.com/office/powerpoint/2015/main" val="1"/>
+              </p:ext>
+            </p:extLst>
+          </p:nvPr>
+        </p:nvSpPr>
+        <p:spPr>
+          <a:xfrm rot="16200000" flipH="1">
+            <a:off x="3649491" y="-1685840"/>
+            <a:ext cx="4894564" cy="12193546"/>
+          </a:xfrm>
+          <a:prstGeom prst="rect">
+            <a:avLst/>
+          </a:prstGeom>
+          <a:gradFill>
+            <a:gsLst>
+              <a:gs pos="0">
+                <a:schemeClr val="accent5">
+                  <a:lumMod val="60000"/>
+                  <a:lumOff val="40000"/>
+                  <a:alpha val="0"/>
+                </a:schemeClr>
+              </a:gs>
+              <a:gs pos="100000">
+                <a:srgbClr val="000000">
+                  <a:alpha val="46000"/>
+                </a:srgbClr>
+              </a:gs>
+            </a:gsLst>
+            <a:lin ang="1200000" scaled="0"/>
+          </a:gradFill>
+          <a:ln>
+            <a:noFill/>
+          </a:ln>
+        </p:spPr>
+        <p:style>
+          <a:lnRef idx="2">
+            <a:schemeClr val="accent1">
+              <a:shade val="50000"/>
+            </a:schemeClr>
+          </a:lnRef>
+          <a:fillRef idx="1">
+            <a:schemeClr val="accent1"/>
+          </a:fillRef>
+          <a:effectRef idx="0">
+            <a:schemeClr val="accent1"/>
+          </a:effectRef>
+          <a:fontRef idx="minor">
+            <a:schemeClr val="lt1"/>
+          </a:fontRef>
+        </p:style>
+        <p:txBody>
+          <a:bodyPr rtlCol="0" anchor="ctr"/>
+          <a:lstStyle/>
+          <a:p>
+            <a:pPr algn="ctr"/>
+            <a:endParaRPr lang="en-US"/>
+          </a:p>
+        </p:txBody>
+      </p:sp>
+      <p:pic>
+        <p:nvPicPr>
+          <p:cNvPr id="7" name="Picture 6" descr="https://www.youtube.com/watch?v=KEv-F5UkhxU">
+            <a:extLst>
+              <a:ext uri="{FF2B5EF4-FFF2-40B4-BE49-F238E27FC236}">
+                <a16:creationId xmlns:a16="http://schemas.microsoft.com/office/drawing/2014/main" id="{D1A163F2-9BD5-002D-A29A-9F61B0605BA1}"/>
+              </a:ext>
+            </a:extLst>
+          </p:cNvPr>
+          <p:cNvPicPr>
+            <a:picLocks noChangeAspect="1"/>
+          </p:cNvPicPr>
+          <p:nvPr/>
+        </p:nvPicPr>
+        <p:blipFill>
+          <a:blip r:embed="rId2"/>
+          <a:stretch>
+            <a:fillRect/>
+          </a:stretch>
+        </p:blipFill>
+        <p:spPr>
+          <a:xfrm>
+            <a:off x="-2312" y="-114514"/>
+            <a:ext cx="12194312" cy="6960081"/>
+          </a:xfrm>
+          <a:prstGeom prst="rect">
+            <a:avLst/>
+          </a:prstGeom>
+        </p:spPr>
+      </p:pic>
+    </p:spTree>
+    <p:extLst>
+      <p:ext uri="{BB962C8B-B14F-4D97-AF65-F5344CB8AC3E}">
+        <p14:creationId xmlns:p14="http://schemas.microsoft.com/office/powerpoint/2010/main" val="1023547839"/>
+      </p:ext>
+    </p:extLst>
+  </p:cSld>
+  <p:clrMapOvr>
+    <a:masterClrMapping/>
+  </p:clrMapOvr>
+</p:sld>
+</file>
+
+<file path=ppt/slides/slide6.xml><?xml version="1.0" encoding="utf-8"?>
+<p:sld xmlns:a="http://schemas.openxmlformats.org/drawingml/2006/main" xmlns:r="http://schemas.openxmlformats.org/officeDocument/2006/relationships" xmlns:p="http://schemas.openxmlformats.org/presentationml/2006/main">
+  <p:cSld>
+    <p:bg>
+      <p:bgPr>
+        <a:solidFill>
+          <a:schemeClr val="bg1"/>
+        </a:solidFill>
+        <a:effectLst/>
+      </p:bgPr>
+    </p:bg>
+    <p:spTree>
+      <p:nvGrpSpPr>
+        <p:cNvPr id="1" name=""/>
+        <p:cNvGrpSpPr/>
+        <p:nvPr/>
+      </p:nvGrpSpPr>
+      <p:grpSpPr>
+        <a:xfrm>
+          <a:off x="0" y="0"/>
+          <a:ext cx="0" cy="0"/>
+          <a:chOff x="0" y="0"/>
+          <a:chExt cx="0" cy="0"/>
+        </a:xfrm>
+      </p:grpSpPr>
+      <p:sp>
+        <p:nvSpPr>
+          <p:cNvPr id="10" name="Rectangle 9">
+            <a:extLst>
+              <a:ext uri="{FF2B5EF4-FFF2-40B4-BE49-F238E27FC236}">
+                <a16:creationId xmlns:a16="http://schemas.microsoft.com/office/drawing/2014/main" id="{42A4FC2C-047E-45A5-965D-8E1E3BF09BC6}"/>
+              </a:ext>
+              <a:ext uri="{C183D7F6-B498-43B3-948B-1728B52AA6E4}">
+                <adec:decorative xmlns:adec="http://schemas.microsoft.com/office/drawing/2017/decorative" val="1"/>
+              </a:ext>
+            </a:extLst>
+          </p:cNvPr>
+          <p:cNvSpPr>
+            <a:spLocks noGrp="1" noRot="1" noChangeAspect="1" noMove="1" noResize="1" noEditPoints="1" noAdjustHandles="1" noChangeArrowheads="1" noChangeShapeType="1" noTextEdit="1"/>
+          </p:cNvSpPr>
+          <p:nvPr>
+            <p:extLst>
+              <p:ext uri="{386F3935-93C4-4BCD-93E2-E3B085C9AB24}">
+                <p16:designElem xmlns:p16="http://schemas.microsoft.com/office/powerpoint/2015/main" val="1"/>
+              </p:ext>
+            </p:extLst>
+          </p:nvPr>
+        </p:nvSpPr>
+        <p:spPr bwMode="white">
+          <a:xfrm>
+            <a:off x="1524" y="0"/>
+            <a:ext cx="12188952" cy="6858000"/>
+          </a:xfrm>
+          <a:prstGeom prst="rect">
+            <a:avLst/>
+          </a:prstGeom>
+          <a:noFill/>
+          <a:ln>
+            <a:noFill/>
+          </a:ln>
+        </p:spPr>
+        <p:style>
+          <a:lnRef idx="2">
+            <a:schemeClr val="accent1">
+              <a:shade val="50000"/>
+            </a:schemeClr>
+          </a:lnRef>
+          <a:fillRef idx="1">
+            <a:schemeClr val="accent1"/>
+          </a:fillRef>
+          <a:effectRef idx="0">
+            <a:schemeClr val="accent1"/>
+          </a:effectRef>
+          <a:fontRef idx="minor">
+            <a:schemeClr val="lt1"/>
+          </a:fontRef>
+        </p:style>
+        <p:txBody>
+          <a:bodyPr rtlCol="0" anchor="ctr"/>
+          <a:lstStyle>
+            <a:defPPr>
+              <a:defRPr lang="en-US"/>
+            </a:defPPr>
+            <a:lvl1pPr marL="0" algn="l" defTabSz="914400" rtl="0" eaLnBrk="1" latinLnBrk="0" hangingPunct="1">
+              <a:defRPr sz="1800" kern="1200">
+                <a:solidFill>
+                  <a:schemeClr val="lt1"/>
+                </a:solidFill>
+                <a:latin typeface="+mn-lt"/>
+                <a:ea typeface="+mn-ea"/>
+                <a:cs typeface="+mn-cs"/>
+              </a:defRPr>
+            </a:lvl1pPr>
+            <a:lvl2pPr marL="457200" algn="l" defTabSz="914400" rtl="0" eaLnBrk="1" latinLnBrk="0" hangingPunct="1">
+              <a:defRPr sz="1800" kern="1200">
+                <a:solidFill>
+                  <a:schemeClr val="lt1"/>
+                </a:solidFill>
+                <a:latin typeface="+mn-lt"/>
+                <a:ea typeface="+mn-ea"/>
+                <a:cs typeface="+mn-cs"/>
+              </a:defRPr>
+            </a:lvl2pPr>
+            <a:lvl3pPr marL="914400" algn="l" defTabSz="914400" rtl="0" eaLnBrk="1" latinLnBrk="0" hangingPunct="1">
+              <a:defRPr sz="1800" kern="1200">
+                <a:solidFill>
+                  <a:schemeClr val="lt1"/>
+                </a:solidFill>
+                <a:latin typeface="+mn-lt"/>
+                <a:ea typeface="+mn-ea"/>
+                <a:cs typeface="+mn-cs"/>
+              </a:defRPr>
+            </a:lvl3pPr>
+            <a:lvl4pPr marL="1371600" algn="l" defTabSz="914400" rtl="0" eaLnBrk="1" latinLnBrk="0" hangingPunct="1">
+              <a:defRPr sz="1800" kern="1200">
+                <a:solidFill>
+                  <a:schemeClr val="lt1"/>
+                </a:solidFill>
+                <a:latin typeface="+mn-lt"/>
+                <a:ea typeface="+mn-ea"/>
+                <a:cs typeface="+mn-cs"/>
+              </a:defRPr>
+            </a:lvl4pPr>
+            <a:lvl5pPr marL="1828800" algn="l" defTabSz="914400" rtl="0" eaLnBrk="1" latinLnBrk="0" hangingPunct="1">
+              <a:defRPr sz="1800" kern="1200">
+                <a:solidFill>
+                  <a:schemeClr val="lt1"/>
+                </a:solidFill>
+                <a:latin typeface="+mn-lt"/>
+                <a:ea typeface="+mn-ea"/>
+                <a:cs typeface="+mn-cs"/>
+              </a:defRPr>
+            </a:lvl5pPr>
+            <a:lvl6pPr marL="2286000" algn="l" defTabSz="914400" rtl="0" eaLnBrk="1" latinLnBrk="0" hangingPunct="1">
+              <a:defRPr sz="1800" kern="1200">
+                <a:solidFill>
+                  <a:schemeClr val="lt1"/>
+                </a:solidFill>
+                <a:latin typeface="+mn-lt"/>
+                <a:ea typeface="+mn-ea"/>
+                <a:cs typeface="+mn-cs"/>
+              </a:defRPr>
+            </a:lvl6pPr>
+            <a:lvl7pPr marL="2743200" algn="l" defTabSz="914400" rtl="0" eaLnBrk="1" latinLnBrk="0" hangingPunct="1">
+              <a:defRPr sz="1800" kern="1200">
+                <a:solidFill>
+                  <a:schemeClr val="lt1"/>
+                </a:solidFill>
+                <a:latin typeface="+mn-lt"/>
+                <a:ea typeface="+mn-ea"/>
+                <a:cs typeface="+mn-cs"/>
+              </a:defRPr>
+            </a:lvl7pPr>
+            <a:lvl8pPr marL="3200400" algn="l" defTabSz="914400" rtl="0" eaLnBrk="1" latinLnBrk="0" hangingPunct="1">
+              <a:defRPr sz="1800" kern="1200">
+                <a:solidFill>
+                  <a:schemeClr val="lt1"/>
+                </a:solidFill>
+                <a:latin typeface="+mn-lt"/>
+                <a:ea typeface="+mn-ea"/>
+                <a:cs typeface="+mn-cs"/>
+              </a:defRPr>
+            </a:lvl8pPr>
+            <a:lvl9pPr marL="3657600" algn="l" defTabSz="914400" rtl="0" eaLnBrk="1" latinLnBrk="0" hangingPunct="1">
+              <a:defRPr sz="1800" kern="1200">
+                <a:solidFill>
+                  <a:schemeClr val="lt1"/>
+                </a:solidFill>
+                <a:latin typeface="+mn-lt"/>
+                <a:ea typeface="+mn-ea"/>
+                <a:cs typeface="+mn-cs"/>
+              </a:defRPr>
+            </a:lvl9pPr>
+          </a:lstStyle>
+          <a:p>
+            <a:pPr algn="ctr"/>
+            <a:endParaRPr lang="en-US"/>
+          </a:p>
+        </p:txBody>
+      </p:sp>
+      <p:pic>
+        <p:nvPicPr>
+          <p:cNvPr id="7" name="Picture 6" descr="A blackboard with math equations and numbers&#10;&#10;Description automatically generated">
+            <a:extLst>
+              <a:ext uri="{FF2B5EF4-FFF2-40B4-BE49-F238E27FC236}">
+                <a16:creationId xmlns:a16="http://schemas.microsoft.com/office/drawing/2014/main" id="{C694EA57-0D23-79A0-9A63-B123CC773612}"/>
+              </a:ext>
+            </a:extLst>
+          </p:cNvPr>
+          <p:cNvPicPr>
+            <a:picLocks noChangeAspect="1"/>
+          </p:cNvPicPr>
+          <p:nvPr/>
+        </p:nvPicPr>
+        <p:blipFill>
+          <a:blip r:embed="rId3"/>
+          <a:stretch>
+            <a:fillRect/>
+          </a:stretch>
+        </p:blipFill>
+        <p:spPr>
+          <a:xfrm>
+            <a:off x="-1" y="0"/>
+            <a:ext cx="12165649" cy="6858000"/>
+          </a:xfrm>
+          <a:prstGeom prst="rect">
+            <a:avLst/>
+          </a:prstGeom>
+        </p:spPr>
+      </p:pic>
+    </p:spTree>
+    <p:extLst>
+      <p:ext uri="{BB962C8B-B14F-4D97-AF65-F5344CB8AC3E}">
+        <p14:creationId xmlns:p14="http://schemas.microsoft.com/office/powerpoint/2010/main" val="1508460048"/>
+      </p:ext>
+    </p:extLst>
+  </p:cSld>
+  <p:clrMapOvr>
+    <a:masterClrMapping/>
+  </p:clrMapOvr>
+</p:sld>
+</file>
+
+<file path=ppt/slides/slide7.xml><?xml version="1.0" encoding="utf-8"?>
+<p:sld xmlns:a="http://schemas.openxmlformats.org/drawingml/2006/main" xmlns:r="http://schemas.openxmlformats.org/officeDocument/2006/relationships" xmlns:p="http://schemas.openxmlformats.org/presentationml/2006/main">
+  <p:cSld>
+    <p:bg>
+      <p:bgPr>
+        <a:solidFill>
+          <a:schemeClr val="bg1"/>
+        </a:solidFill>
+        <a:effectLst/>
+      </p:bgPr>
+    </p:bg>
+    <p:spTree>
+      <p:nvGrpSpPr>
+        <p:cNvPr id="1" name=""/>
+        <p:cNvGrpSpPr/>
+        <p:nvPr/>
+      </p:nvGrpSpPr>
+      <p:grpSpPr>
+        <a:xfrm>
+          <a:off x="0" y="0"/>
+          <a:ext cx="0" cy="0"/>
+          <a:chOff x="0" y="0"/>
+          <a:chExt cx="0" cy="0"/>
+        </a:xfrm>
+      </p:grpSpPr>
+      <p:sp useBgFill="1">
+        <p:nvSpPr>
           <p:cNvPr id="9" name="Rectangle 8">
             <a:extLst>
               <a:ext uri="{FF2B5EF4-FFF2-40B4-BE49-F238E27FC236}">
@@ -37614,7 +39462,7 @@
 </p:sld>
 </file>
 
-<file path=ppt/slides/slide6.xml><?xml version="1.0" encoding="utf-8"?>
+<file path=ppt/slides/slide8.xml><?xml version="1.0" encoding="utf-8"?>
 <p:sld xmlns:a="http://schemas.openxmlformats.org/drawingml/2006/main" xmlns:r="http://schemas.openxmlformats.org/officeDocument/2006/relationships" xmlns:p="http://schemas.openxmlformats.org/presentationml/2006/main">
   <p:cSld>
     <p:bg>
@@ -38024,7 +39872,7 @@
 </p:sld>
 </file>
 
-<file path=ppt/slides/slide7.xml><?xml version="1.0" encoding="utf-8"?>
+<file path=ppt/slides/slide9.xml><?xml version="1.0" encoding="utf-8"?>
 <p:sld xmlns:a="http://schemas.openxmlformats.org/drawingml/2006/main" xmlns:r="http://schemas.openxmlformats.org/officeDocument/2006/relationships" xmlns:p="http://schemas.openxmlformats.org/presentationml/2006/main">
   <p:cSld>
     <p:bg>
@@ -38434,826 +40282,6 @@
 </p:sld>
 </file>
 
-<file path=ppt/slides/slide8.xml><?xml version="1.0" encoding="utf-8"?>
-<p:sld xmlns:a="http://schemas.openxmlformats.org/drawingml/2006/main" xmlns:r="http://schemas.openxmlformats.org/officeDocument/2006/relationships" xmlns:p="http://schemas.openxmlformats.org/presentationml/2006/main">
-  <p:cSld>
-    <p:bg>
-      <p:bgPr>
-        <a:solidFill>
-          <a:schemeClr val="bg1"/>
-        </a:solidFill>
-        <a:effectLst/>
-      </p:bgPr>
-    </p:bg>
-    <p:spTree>
-      <p:nvGrpSpPr>
-        <p:cNvPr id="1" name=""/>
-        <p:cNvGrpSpPr/>
-        <p:nvPr/>
-      </p:nvGrpSpPr>
-      <p:grpSpPr>
-        <a:xfrm>
-          <a:off x="0" y="0"/>
-          <a:ext cx="0" cy="0"/>
-          <a:chOff x="0" y="0"/>
-          <a:chExt cx="0" cy="0"/>
-        </a:xfrm>
-      </p:grpSpPr>
-      <p:sp useBgFill="1">
-        <p:nvSpPr>
-          <p:cNvPr id="9" name="Rectangle 8">
-            <a:extLst>
-              <a:ext uri="{FF2B5EF4-FFF2-40B4-BE49-F238E27FC236}">
-                <a16:creationId xmlns:a16="http://schemas.microsoft.com/office/drawing/2014/main" id="{BACC6370-2D7E-4714-9D71-7542949D7D5D}"/>
-              </a:ext>
-              <a:ext uri="{C183D7F6-B498-43B3-948B-1728B52AA6E4}">
-                <adec:decorative xmlns:adec="http://schemas.microsoft.com/office/drawing/2017/decorative" val="1"/>
-              </a:ext>
-            </a:extLst>
-          </p:cNvPr>
-          <p:cNvSpPr>
-            <a:spLocks noGrp="1" noRot="1" noChangeAspect="1" noMove="1" noResize="1" noEditPoints="1" noAdjustHandles="1" noChangeArrowheads="1" noChangeShapeType="1" noTextEdit="1"/>
-          </p:cNvSpPr>
-          <p:nvPr>
-            <p:extLst>
-              <p:ext uri="{386F3935-93C4-4BCD-93E2-E3B085C9AB24}">
-                <p16:designElem xmlns:p16="http://schemas.microsoft.com/office/powerpoint/2015/main" val="1"/>
-              </p:ext>
-            </p:extLst>
-          </p:nvPr>
-        </p:nvSpPr>
-        <p:spPr>
-          <a:xfrm>
-            <a:off x="0" y="0"/>
-            <a:ext cx="12192000" cy="6858000"/>
-          </a:xfrm>
-          <a:prstGeom prst="rect">
-            <a:avLst/>
-          </a:prstGeom>
-          <a:ln w="12700" cap="flat" cmpd="sng" algn="ctr">
-            <a:noFill/>
-            <a:prstDash val="solid"/>
-            <a:miter lim="800000"/>
-          </a:ln>
-          <a:effectLst/>
-          <a:extLst>
-            <a:ext uri="{91240B29-F687-4F45-9708-019B960494DF}">
-              <a14:hiddenLine xmlns:a14="http://schemas.microsoft.com/office/drawing/2010/main" w="12700" cap="flat" cmpd="sng" algn="ctr">
-                <a:solidFill>
-                  <a:schemeClr val="accent1">
-                    <a:shade val="50000"/>
-                  </a:schemeClr>
-                </a:solidFill>
-                <a:prstDash val="solid"/>
-                <a:miter lim="800000"/>
-              </a14:hiddenLine>
-            </a:ext>
-          </a:extLst>
-        </p:spPr>
-        <p:style>
-          <a:lnRef idx="2">
-            <a:schemeClr val="accent1">
-              <a:shade val="50000"/>
-            </a:schemeClr>
-          </a:lnRef>
-          <a:fillRef idx="1">
-            <a:schemeClr val="accent1"/>
-          </a:fillRef>
-          <a:effectRef idx="0">
-            <a:schemeClr val="accent1"/>
-          </a:effectRef>
-          <a:fontRef idx="minor">
-            <a:schemeClr val="lt1"/>
-          </a:fontRef>
-        </p:style>
-        <p:txBody>
-          <a:bodyPr rtlCol="0" anchor="ctr"/>
-          <a:lstStyle/>
-          <a:p>
-            <a:pPr algn="ctr"/>
-            <a:endParaRPr lang="en-US"/>
-          </a:p>
-        </p:txBody>
-      </p:sp>
-      <p:sp>
-        <p:nvSpPr>
-          <p:cNvPr id="11" name="Rectangle 10">
-            <a:extLst>
-              <a:ext uri="{FF2B5EF4-FFF2-40B4-BE49-F238E27FC236}">
-                <a16:creationId xmlns:a16="http://schemas.microsoft.com/office/drawing/2014/main" id="{F68B3F68-107C-434F-AA38-110D5EA91B85}"/>
-              </a:ext>
-              <a:ext uri="{C183D7F6-B498-43B3-948B-1728B52AA6E4}">
-                <adec:decorative xmlns:adec="http://schemas.microsoft.com/office/drawing/2017/decorative" val="1"/>
-              </a:ext>
-            </a:extLst>
-          </p:cNvPr>
-          <p:cNvSpPr>
-            <a:spLocks noGrp="1" noRot="1" noChangeAspect="1" noMove="1" noResize="1" noEditPoints="1" noAdjustHandles="1" noChangeArrowheads="1" noChangeShapeType="1" noTextEdit="1"/>
-          </p:cNvSpPr>
-          <p:nvPr>
-            <p:extLst>
-              <p:ext uri="{386F3935-93C4-4BCD-93E2-E3B085C9AB24}">
-                <p16:designElem xmlns:p16="http://schemas.microsoft.com/office/powerpoint/2015/main" val="1"/>
-              </p:ext>
-            </p:extLst>
-          </p:nvPr>
-        </p:nvSpPr>
-        <p:spPr>
-          <a:xfrm flipH="1">
-            <a:off x="2" y="0"/>
-            <a:ext cx="12191998" cy="1575955"/>
-          </a:xfrm>
-          <a:prstGeom prst="rect">
-            <a:avLst/>
-          </a:prstGeom>
-          <a:gradFill>
-            <a:gsLst>
-              <a:gs pos="0">
-                <a:srgbClr val="000000">
-                  <a:alpha val="96000"/>
-                </a:srgbClr>
-              </a:gs>
-              <a:gs pos="100000">
-                <a:schemeClr val="accent1">
-                  <a:lumMod val="75000"/>
-                </a:schemeClr>
-              </a:gs>
-            </a:gsLst>
-            <a:lin ang="8400000" scaled="0"/>
-          </a:gradFill>
-          <a:ln>
-            <a:noFill/>
-          </a:ln>
-        </p:spPr>
-        <p:style>
-          <a:lnRef idx="2">
-            <a:schemeClr val="accent1">
-              <a:shade val="50000"/>
-            </a:schemeClr>
-          </a:lnRef>
-          <a:fillRef idx="1">
-            <a:schemeClr val="accent1"/>
-          </a:fillRef>
-          <a:effectRef idx="0">
-            <a:schemeClr val="accent1"/>
-          </a:effectRef>
-          <a:fontRef idx="minor">
-            <a:schemeClr val="lt1"/>
-          </a:fontRef>
-        </p:style>
-        <p:txBody>
-          <a:bodyPr rtlCol="0" anchor="ctr"/>
-          <a:lstStyle/>
-          <a:p>
-            <a:pPr algn="ctr"/>
-            <a:endParaRPr lang="en-US"/>
-          </a:p>
-        </p:txBody>
-      </p:sp>
-      <p:sp>
-        <p:nvSpPr>
-          <p:cNvPr id="13" name="Rectangle 12">
-            <a:extLst>
-              <a:ext uri="{FF2B5EF4-FFF2-40B4-BE49-F238E27FC236}">
-                <a16:creationId xmlns:a16="http://schemas.microsoft.com/office/drawing/2014/main" id="{AAD0DBB9-1A4B-4391-81D4-CB19F9AB918A}"/>
-              </a:ext>
-              <a:ext uri="{C183D7F6-B498-43B3-948B-1728B52AA6E4}">
-                <adec:decorative xmlns:adec="http://schemas.microsoft.com/office/drawing/2017/decorative" val="1"/>
-              </a:ext>
-            </a:extLst>
-          </p:cNvPr>
-          <p:cNvSpPr>
-            <a:spLocks noGrp="1" noRot="1" noChangeAspect="1" noMove="1" noResize="1" noEditPoints="1" noAdjustHandles="1" noChangeArrowheads="1" noChangeShapeType="1" noTextEdit="1"/>
-          </p:cNvSpPr>
-          <p:nvPr>
-            <p:extLst>
-              <p:ext uri="{386F3935-93C4-4BCD-93E2-E3B085C9AB24}">
-                <p16:designElem xmlns:p16="http://schemas.microsoft.com/office/powerpoint/2015/main" val="1"/>
-              </p:ext>
-            </p:extLst>
-          </p:nvPr>
-        </p:nvSpPr>
-        <p:spPr>
-          <a:xfrm rot="10800000" flipH="1">
-            <a:off x="8128857" y="0"/>
-            <a:ext cx="4063143" cy="1576412"/>
-          </a:xfrm>
-          <a:prstGeom prst="rect">
-            <a:avLst/>
-          </a:prstGeom>
-          <a:gradFill>
-            <a:gsLst>
-              <a:gs pos="19000">
-                <a:schemeClr val="accent1">
-                  <a:lumMod val="50000"/>
-                  <a:alpha val="68000"/>
-                </a:schemeClr>
-              </a:gs>
-              <a:gs pos="100000">
-                <a:schemeClr val="accent1">
-                  <a:alpha val="79000"/>
-                </a:schemeClr>
-              </a:gs>
-            </a:gsLst>
-            <a:lin ang="19200000" scaled="0"/>
-          </a:gradFill>
-          <a:ln>
-            <a:noFill/>
-          </a:ln>
-        </p:spPr>
-        <p:style>
-          <a:lnRef idx="2">
-            <a:schemeClr val="accent1">
-              <a:shade val="50000"/>
-            </a:schemeClr>
-          </a:lnRef>
-          <a:fillRef idx="1">
-            <a:schemeClr val="accent1"/>
-          </a:fillRef>
-          <a:effectRef idx="0">
-            <a:schemeClr val="accent1"/>
-          </a:effectRef>
-          <a:fontRef idx="minor">
-            <a:schemeClr val="lt1"/>
-          </a:fontRef>
-        </p:style>
-        <p:txBody>
-          <a:bodyPr rtlCol="0" anchor="ctr"/>
-          <a:lstStyle/>
-          <a:p>
-            <a:pPr algn="ctr"/>
-            <a:endParaRPr lang="en-US"/>
-          </a:p>
-        </p:txBody>
-      </p:sp>
-      <p:sp>
-        <p:nvSpPr>
-          <p:cNvPr id="15" name="Rectangle 14">
-            <a:extLst>
-              <a:ext uri="{FF2B5EF4-FFF2-40B4-BE49-F238E27FC236}">
-                <a16:creationId xmlns:a16="http://schemas.microsoft.com/office/drawing/2014/main" id="{063BBA22-50EA-4C4D-BE05-F1CE4E63AA56}"/>
-              </a:ext>
-              <a:ext uri="{C183D7F6-B498-43B3-948B-1728B52AA6E4}">
-                <adec:decorative xmlns:adec="http://schemas.microsoft.com/office/drawing/2017/decorative" val="1"/>
-              </a:ext>
-            </a:extLst>
-          </p:cNvPr>
-          <p:cNvSpPr>
-            <a:spLocks noGrp="1" noRot="1" noChangeAspect="1" noMove="1" noResize="1" noEditPoints="1" noAdjustHandles="1" noChangeArrowheads="1" noChangeShapeType="1" noTextEdit="1"/>
-          </p:cNvSpPr>
-          <p:nvPr>
-            <p:extLst>
-              <p:ext uri="{386F3935-93C4-4BCD-93E2-E3B085C9AB24}">
-                <p16:designElem xmlns:p16="http://schemas.microsoft.com/office/powerpoint/2015/main" val="1"/>
-              </p:ext>
-            </p:extLst>
-          </p:nvPr>
-        </p:nvSpPr>
-        <p:spPr>
-          <a:xfrm rot="5400000">
-            <a:off x="5307777" y="-5307778"/>
-            <a:ext cx="1576446" cy="12192002"/>
-          </a:xfrm>
-          <a:prstGeom prst="rect">
-            <a:avLst/>
-          </a:prstGeom>
-          <a:gradFill>
-            <a:gsLst>
-              <a:gs pos="23000">
-                <a:schemeClr val="accent1">
-                  <a:alpha val="0"/>
-                </a:schemeClr>
-              </a:gs>
-              <a:gs pos="99000">
-                <a:srgbClr val="000000">
-                  <a:alpha val="74000"/>
-                </a:srgbClr>
-              </a:gs>
-            </a:gsLst>
-            <a:lin ang="20400000" scaled="0"/>
-          </a:gradFill>
-          <a:ln>
-            <a:noFill/>
-          </a:ln>
-        </p:spPr>
-        <p:style>
-          <a:lnRef idx="2">
-            <a:schemeClr val="accent1">
-              <a:shade val="50000"/>
-            </a:schemeClr>
-          </a:lnRef>
-          <a:fillRef idx="1">
-            <a:schemeClr val="accent1"/>
-          </a:fillRef>
-          <a:effectRef idx="0">
-            <a:schemeClr val="accent1"/>
-          </a:effectRef>
-          <a:fontRef idx="minor">
-            <a:schemeClr val="lt1"/>
-          </a:fontRef>
-        </p:style>
-        <p:txBody>
-          <a:bodyPr rtlCol="0" anchor="ctr"/>
-          <a:lstStyle/>
-          <a:p>
-            <a:pPr algn="ctr"/>
-            <a:endParaRPr lang="en-US" dirty="0"/>
-          </a:p>
-        </p:txBody>
-      </p:sp>
-      <p:sp>
-        <p:nvSpPr>
-          <p:cNvPr id="2" name="Title 1">
-            <a:extLst>
-              <a:ext uri="{FF2B5EF4-FFF2-40B4-BE49-F238E27FC236}">
-                <a16:creationId xmlns:a16="http://schemas.microsoft.com/office/drawing/2014/main" id="{A9A02B17-B4F1-D0BD-4122-4CE2D760A732}"/>
-              </a:ext>
-            </a:extLst>
-          </p:cNvPr>
-          <p:cNvSpPr>
-            <a:spLocks noGrp="1"/>
-          </p:cNvSpPr>
-          <p:nvPr>
-            <p:ph type="title"/>
-          </p:nvPr>
-        </p:nvSpPr>
-        <p:spPr>
-          <a:xfrm>
-            <a:off x="1371597" y="348865"/>
-            <a:ext cx="10044023" cy="877729"/>
-          </a:xfrm>
-        </p:spPr>
-        <p:txBody>
-          <a:bodyPr anchor="ctr">
-            <a:normAutofit/>
-          </a:bodyPr>
-          <a:lstStyle/>
-          <a:p>
-            <a:r>
-              <a:rPr lang="en-US" sz="4000">
-                <a:solidFill>
-                  <a:srgbClr val="FFFFFF"/>
-                </a:solidFill>
-              </a:rPr>
-              <a:t>LoRA in Natural Language Processing</a:t>
-            </a:r>
-          </a:p>
-        </p:txBody>
-      </p:sp>
-      <p:graphicFrame>
-        <p:nvGraphicFramePr>
-          <p:cNvPr id="5" name="Content Placeholder 2">
-            <a:extLst>
-              <a:ext uri="{FF2B5EF4-FFF2-40B4-BE49-F238E27FC236}">
-                <a16:creationId xmlns:a16="http://schemas.microsoft.com/office/drawing/2014/main" id="{8217CD2C-C802-9E97-5D85-42894AF79B8F}"/>
-              </a:ext>
-            </a:extLst>
-          </p:cNvPr>
-          <p:cNvGraphicFramePr>
-            <a:graphicFrameLocks noGrp="1"/>
-          </p:cNvGraphicFramePr>
-          <p:nvPr>
-            <p:ph idx="1"/>
-            <p:extLst>
-              <p:ext uri="{D42A27DB-BD31-4B8C-83A1-F6EECF244321}">
-                <p14:modId xmlns:p14="http://schemas.microsoft.com/office/powerpoint/2010/main" val="2173817823"/>
-              </p:ext>
-            </p:extLst>
-          </p:nvPr>
-        </p:nvGraphicFramePr>
-        <p:xfrm>
-          <a:off x="644056" y="2112579"/>
-          <a:ext cx="10927829" cy="4192805"/>
-        </p:xfrm>
-        <a:graphic>
-          <a:graphicData uri="http://schemas.openxmlformats.org/drawingml/2006/diagram">
-            <dgm:relIds xmlns:dgm="http://schemas.openxmlformats.org/drawingml/2006/diagram" xmlns:r="http://schemas.openxmlformats.org/officeDocument/2006/relationships" r:dm="rId2" r:lo="rId3" r:qs="rId4" r:cs="rId5"/>
-          </a:graphicData>
-        </a:graphic>
-      </p:graphicFrame>
-    </p:spTree>
-    <p:extLst>
-      <p:ext uri="{BB962C8B-B14F-4D97-AF65-F5344CB8AC3E}">
-        <p14:creationId xmlns:p14="http://schemas.microsoft.com/office/powerpoint/2010/main" val="3076629339"/>
-      </p:ext>
-    </p:extLst>
-  </p:cSld>
-  <p:clrMapOvr>
-    <a:masterClrMapping/>
-  </p:clrMapOvr>
-</p:sld>
-</file>
-
-<file path=ppt/slides/slide9.xml><?xml version="1.0" encoding="utf-8"?>
-<p:sld xmlns:a="http://schemas.openxmlformats.org/drawingml/2006/main" xmlns:r="http://schemas.openxmlformats.org/officeDocument/2006/relationships" xmlns:p="http://schemas.openxmlformats.org/presentationml/2006/main">
-  <p:cSld>
-    <p:bg>
-      <p:bgPr>
-        <a:solidFill>
-          <a:schemeClr val="bg1"/>
-        </a:solidFill>
-        <a:effectLst/>
-      </p:bgPr>
-    </p:bg>
-    <p:spTree>
-      <p:nvGrpSpPr>
-        <p:cNvPr id="1" name=""/>
-        <p:cNvGrpSpPr/>
-        <p:nvPr/>
-      </p:nvGrpSpPr>
-      <p:grpSpPr>
-        <a:xfrm>
-          <a:off x="0" y="0"/>
-          <a:ext cx="0" cy="0"/>
-          <a:chOff x="0" y="0"/>
-          <a:chExt cx="0" cy="0"/>
-        </a:xfrm>
-      </p:grpSpPr>
-      <p:sp useBgFill="1">
-        <p:nvSpPr>
-          <p:cNvPr id="9" name="Rectangle 8">
-            <a:extLst>
-              <a:ext uri="{FF2B5EF4-FFF2-40B4-BE49-F238E27FC236}">
-                <a16:creationId xmlns:a16="http://schemas.microsoft.com/office/drawing/2014/main" id="{BACC6370-2D7E-4714-9D71-7542949D7D5D}"/>
-              </a:ext>
-              <a:ext uri="{C183D7F6-B498-43B3-948B-1728B52AA6E4}">
-                <adec:decorative xmlns:adec="http://schemas.microsoft.com/office/drawing/2017/decorative" val="1"/>
-              </a:ext>
-            </a:extLst>
-          </p:cNvPr>
-          <p:cNvSpPr>
-            <a:spLocks noGrp="1" noRot="1" noChangeAspect="1" noMove="1" noResize="1" noEditPoints="1" noAdjustHandles="1" noChangeArrowheads="1" noChangeShapeType="1" noTextEdit="1"/>
-          </p:cNvSpPr>
-          <p:nvPr>
-            <p:extLst>
-              <p:ext uri="{386F3935-93C4-4BCD-93E2-E3B085C9AB24}">
-                <p16:designElem xmlns:p16="http://schemas.microsoft.com/office/powerpoint/2015/main" val="1"/>
-              </p:ext>
-            </p:extLst>
-          </p:nvPr>
-        </p:nvSpPr>
-        <p:spPr>
-          <a:xfrm>
-            <a:off x="0" y="0"/>
-            <a:ext cx="12192000" cy="6858000"/>
-          </a:xfrm>
-          <a:prstGeom prst="rect">
-            <a:avLst/>
-          </a:prstGeom>
-          <a:ln w="12700" cap="flat" cmpd="sng" algn="ctr">
-            <a:noFill/>
-            <a:prstDash val="solid"/>
-            <a:miter lim="800000"/>
-          </a:ln>
-          <a:effectLst/>
-          <a:extLst>
-            <a:ext uri="{91240B29-F687-4F45-9708-019B960494DF}">
-              <a14:hiddenLine xmlns:a14="http://schemas.microsoft.com/office/drawing/2010/main" w="12700" cap="flat" cmpd="sng" algn="ctr">
-                <a:solidFill>
-                  <a:schemeClr val="accent1">
-                    <a:shade val="50000"/>
-                  </a:schemeClr>
-                </a:solidFill>
-                <a:prstDash val="solid"/>
-                <a:miter lim="800000"/>
-              </a14:hiddenLine>
-            </a:ext>
-          </a:extLst>
-        </p:spPr>
-        <p:style>
-          <a:lnRef idx="2">
-            <a:schemeClr val="accent1">
-              <a:shade val="50000"/>
-            </a:schemeClr>
-          </a:lnRef>
-          <a:fillRef idx="1">
-            <a:schemeClr val="accent1"/>
-          </a:fillRef>
-          <a:effectRef idx="0">
-            <a:schemeClr val="accent1"/>
-          </a:effectRef>
-          <a:fontRef idx="minor">
-            <a:schemeClr val="lt1"/>
-          </a:fontRef>
-        </p:style>
-        <p:txBody>
-          <a:bodyPr rtlCol="0" anchor="ctr"/>
-          <a:lstStyle/>
-          <a:p>
-            <a:pPr algn="ctr"/>
-            <a:endParaRPr lang="en-US"/>
-          </a:p>
-        </p:txBody>
-      </p:sp>
-      <p:sp>
-        <p:nvSpPr>
-          <p:cNvPr id="11" name="Rectangle 10">
-            <a:extLst>
-              <a:ext uri="{FF2B5EF4-FFF2-40B4-BE49-F238E27FC236}">
-                <a16:creationId xmlns:a16="http://schemas.microsoft.com/office/drawing/2014/main" id="{F68B3F68-107C-434F-AA38-110D5EA91B85}"/>
-              </a:ext>
-              <a:ext uri="{C183D7F6-B498-43B3-948B-1728B52AA6E4}">
-                <adec:decorative xmlns:adec="http://schemas.microsoft.com/office/drawing/2017/decorative" val="1"/>
-              </a:ext>
-            </a:extLst>
-          </p:cNvPr>
-          <p:cNvSpPr>
-            <a:spLocks noGrp="1" noRot="1" noChangeAspect="1" noMove="1" noResize="1" noEditPoints="1" noAdjustHandles="1" noChangeArrowheads="1" noChangeShapeType="1" noTextEdit="1"/>
-          </p:cNvSpPr>
-          <p:nvPr>
-            <p:extLst>
-              <p:ext uri="{386F3935-93C4-4BCD-93E2-E3B085C9AB24}">
-                <p16:designElem xmlns:p16="http://schemas.microsoft.com/office/powerpoint/2015/main" val="1"/>
-              </p:ext>
-            </p:extLst>
-          </p:nvPr>
-        </p:nvSpPr>
-        <p:spPr>
-          <a:xfrm flipH="1">
-            <a:off x="2" y="0"/>
-            <a:ext cx="12191998" cy="1575955"/>
-          </a:xfrm>
-          <a:prstGeom prst="rect">
-            <a:avLst/>
-          </a:prstGeom>
-          <a:gradFill>
-            <a:gsLst>
-              <a:gs pos="0">
-                <a:srgbClr val="000000">
-                  <a:alpha val="96000"/>
-                </a:srgbClr>
-              </a:gs>
-              <a:gs pos="100000">
-                <a:schemeClr val="accent1">
-                  <a:lumMod val="75000"/>
-                </a:schemeClr>
-              </a:gs>
-            </a:gsLst>
-            <a:lin ang="8400000" scaled="0"/>
-          </a:gradFill>
-          <a:ln>
-            <a:noFill/>
-          </a:ln>
-        </p:spPr>
-        <p:style>
-          <a:lnRef idx="2">
-            <a:schemeClr val="accent1">
-              <a:shade val="50000"/>
-            </a:schemeClr>
-          </a:lnRef>
-          <a:fillRef idx="1">
-            <a:schemeClr val="accent1"/>
-          </a:fillRef>
-          <a:effectRef idx="0">
-            <a:schemeClr val="accent1"/>
-          </a:effectRef>
-          <a:fontRef idx="minor">
-            <a:schemeClr val="lt1"/>
-          </a:fontRef>
-        </p:style>
-        <p:txBody>
-          <a:bodyPr rtlCol="0" anchor="ctr"/>
-          <a:lstStyle/>
-          <a:p>
-            <a:pPr algn="ctr"/>
-            <a:endParaRPr lang="en-US"/>
-          </a:p>
-        </p:txBody>
-      </p:sp>
-      <p:sp>
-        <p:nvSpPr>
-          <p:cNvPr id="13" name="Rectangle 12">
-            <a:extLst>
-              <a:ext uri="{FF2B5EF4-FFF2-40B4-BE49-F238E27FC236}">
-                <a16:creationId xmlns:a16="http://schemas.microsoft.com/office/drawing/2014/main" id="{AAD0DBB9-1A4B-4391-81D4-CB19F9AB918A}"/>
-              </a:ext>
-              <a:ext uri="{C183D7F6-B498-43B3-948B-1728B52AA6E4}">
-                <adec:decorative xmlns:adec="http://schemas.microsoft.com/office/drawing/2017/decorative" val="1"/>
-              </a:ext>
-            </a:extLst>
-          </p:cNvPr>
-          <p:cNvSpPr>
-            <a:spLocks noGrp="1" noRot="1" noChangeAspect="1" noMove="1" noResize="1" noEditPoints="1" noAdjustHandles="1" noChangeArrowheads="1" noChangeShapeType="1" noTextEdit="1"/>
-          </p:cNvSpPr>
-          <p:nvPr>
-            <p:extLst>
-              <p:ext uri="{386F3935-93C4-4BCD-93E2-E3B085C9AB24}">
-                <p16:designElem xmlns:p16="http://schemas.microsoft.com/office/powerpoint/2015/main" val="1"/>
-              </p:ext>
-            </p:extLst>
-          </p:nvPr>
-        </p:nvSpPr>
-        <p:spPr>
-          <a:xfrm rot="10800000" flipH="1">
-            <a:off x="8128857" y="0"/>
-            <a:ext cx="4063143" cy="1576412"/>
-          </a:xfrm>
-          <a:prstGeom prst="rect">
-            <a:avLst/>
-          </a:prstGeom>
-          <a:gradFill>
-            <a:gsLst>
-              <a:gs pos="19000">
-                <a:schemeClr val="accent1">
-                  <a:lumMod val="50000"/>
-                  <a:alpha val="68000"/>
-                </a:schemeClr>
-              </a:gs>
-              <a:gs pos="100000">
-                <a:schemeClr val="accent1">
-                  <a:alpha val="79000"/>
-                </a:schemeClr>
-              </a:gs>
-            </a:gsLst>
-            <a:lin ang="19200000" scaled="0"/>
-          </a:gradFill>
-          <a:ln>
-            <a:noFill/>
-          </a:ln>
-        </p:spPr>
-        <p:style>
-          <a:lnRef idx="2">
-            <a:schemeClr val="accent1">
-              <a:shade val="50000"/>
-            </a:schemeClr>
-          </a:lnRef>
-          <a:fillRef idx="1">
-            <a:schemeClr val="accent1"/>
-          </a:fillRef>
-          <a:effectRef idx="0">
-            <a:schemeClr val="accent1"/>
-          </a:effectRef>
-          <a:fontRef idx="minor">
-            <a:schemeClr val="lt1"/>
-          </a:fontRef>
-        </p:style>
-        <p:txBody>
-          <a:bodyPr rtlCol="0" anchor="ctr"/>
-          <a:lstStyle/>
-          <a:p>
-            <a:pPr algn="ctr"/>
-            <a:endParaRPr lang="en-US"/>
-          </a:p>
-        </p:txBody>
-      </p:sp>
-      <p:sp>
-        <p:nvSpPr>
-          <p:cNvPr id="15" name="Rectangle 14">
-            <a:extLst>
-              <a:ext uri="{FF2B5EF4-FFF2-40B4-BE49-F238E27FC236}">
-                <a16:creationId xmlns:a16="http://schemas.microsoft.com/office/drawing/2014/main" id="{063BBA22-50EA-4C4D-BE05-F1CE4E63AA56}"/>
-              </a:ext>
-              <a:ext uri="{C183D7F6-B498-43B3-948B-1728B52AA6E4}">
-                <adec:decorative xmlns:adec="http://schemas.microsoft.com/office/drawing/2017/decorative" val="1"/>
-              </a:ext>
-            </a:extLst>
-          </p:cNvPr>
-          <p:cNvSpPr>
-            <a:spLocks noGrp="1" noRot="1" noChangeAspect="1" noMove="1" noResize="1" noEditPoints="1" noAdjustHandles="1" noChangeArrowheads="1" noChangeShapeType="1" noTextEdit="1"/>
-          </p:cNvSpPr>
-          <p:nvPr>
-            <p:extLst>
-              <p:ext uri="{386F3935-93C4-4BCD-93E2-E3B085C9AB24}">
-                <p16:designElem xmlns:p16="http://schemas.microsoft.com/office/powerpoint/2015/main" val="1"/>
-              </p:ext>
-            </p:extLst>
-          </p:nvPr>
-        </p:nvSpPr>
-        <p:spPr>
-          <a:xfrm rot="5400000">
-            <a:off x="5307777" y="-5307778"/>
-            <a:ext cx="1576446" cy="12192002"/>
-          </a:xfrm>
-          <a:prstGeom prst="rect">
-            <a:avLst/>
-          </a:prstGeom>
-          <a:gradFill>
-            <a:gsLst>
-              <a:gs pos="23000">
-                <a:schemeClr val="accent1">
-                  <a:alpha val="0"/>
-                </a:schemeClr>
-              </a:gs>
-              <a:gs pos="99000">
-                <a:srgbClr val="000000">
-                  <a:alpha val="74000"/>
-                </a:srgbClr>
-              </a:gs>
-            </a:gsLst>
-            <a:lin ang="20400000" scaled="0"/>
-          </a:gradFill>
-          <a:ln>
-            <a:noFill/>
-          </a:ln>
-        </p:spPr>
-        <p:style>
-          <a:lnRef idx="2">
-            <a:schemeClr val="accent1">
-              <a:shade val="50000"/>
-            </a:schemeClr>
-          </a:lnRef>
-          <a:fillRef idx="1">
-            <a:schemeClr val="accent1"/>
-          </a:fillRef>
-          <a:effectRef idx="0">
-            <a:schemeClr val="accent1"/>
-          </a:effectRef>
-          <a:fontRef idx="minor">
-            <a:schemeClr val="lt1"/>
-          </a:fontRef>
-        </p:style>
-        <p:txBody>
-          <a:bodyPr rtlCol="0" anchor="ctr"/>
-          <a:lstStyle/>
-          <a:p>
-            <a:pPr algn="ctr"/>
-            <a:endParaRPr lang="en-US" dirty="0"/>
-          </a:p>
-        </p:txBody>
-      </p:sp>
-      <p:sp>
-        <p:nvSpPr>
-          <p:cNvPr id="2" name="Title 1">
-            <a:extLst>
-              <a:ext uri="{FF2B5EF4-FFF2-40B4-BE49-F238E27FC236}">
-                <a16:creationId xmlns:a16="http://schemas.microsoft.com/office/drawing/2014/main" id="{1498ED17-AD7B-B834-48F8-272D255024D0}"/>
-              </a:ext>
-            </a:extLst>
-          </p:cNvPr>
-          <p:cNvSpPr>
-            <a:spLocks noGrp="1"/>
-          </p:cNvSpPr>
-          <p:nvPr>
-            <p:ph type="title"/>
-          </p:nvPr>
-        </p:nvSpPr>
-        <p:spPr>
-          <a:xfrm>
-            <a:off x="1371597" y="348865"/>
-            <a:ext cx="10044023" cy="877729"/>
-          </a:xfrm>
-        </p:spPr>
-        <p:txBody>
-          <a:bodyPr anchor="ctr">
-            <a:normAutofit/>
-          </a:bodyPr>
-          <a:lstStyle/>
-          <a:p>
-            <a:r>
-              <a:rPr lang="en-US" sz="4000">
-                <a:solidFill>
-                  <a:srgbClr val="FFFFFF"/>
-                </a:solidFill>
-              </a:rPr>
-              <a:t>Challenges with LoRA</a:t>
-            </a:r>
-          </a:p>
-        </p:txBody>
-      </p:sp>
-      <p:graphicFrame>
-        <p:nvGraphicFramePr>
-          <p:cNvPr id="5" name="Content Placeholder 2">
-            <a:extLst>
-              <a:ext uri="{FF2B5EF4-FFF2-40B4-BE49-F238E27FC236}">
-                <a16:creationId xmlns:a16="http://schemas.microsoft.com/office/drawing/2014/main" id="{44A74295-ACD4-766B-5409-82E44345DEE1}"/>
-              </a:ext>
-            </a:extLst>
-          </p:cNvPr>
-          <p:cNvGraphicFramePr>
-            <a:graphicFrameLocks noGrp="1"/>
-          </p:cNvGraphicFramePr>
-          <p:nvPr>
-            <p:ph idx="1"/>
-            <p:extLst>
-              <p:ext uri="{D42A27DB-BD31-4B8C-83A1-F6EECF244321}">
-                <p14:modId xmlns:p14="http://schemas.microsoft.com/office/powerpoint/2010/main" val="1098503471"/>
-              </p:ext>
-            </p:extLst>
-          </p:nvPr>
-        </p:nvGraphicFramePr>
-        <p:xfrm>
-          <a:off x="644056" y="2112579"/>
-          <a:ext cx="10927829" cy="4192805"/>
-        </p:xfrm>
-        <a:graphic>
-          <a:graphicData uri="http://schemas.openxmlformats.org/drawingml/2006/diagram">
-            <dgm:relIds xmlns:dgm="http://schemas.openxmlformats.org/drawingml/2006/diagram" xmlns:r="http://schemas.openxmlformats.org/officeDocument/2006/relationships" r:dm="rId2" r:lo="rId3" r:qs="rId4" r:cs="rId5"/>
-          </a:graphicData>
-        </a:graphic>
-      </p:graphicFrame>
-    </p:spTree>
-    <p:extLst>
-      <p:ext uri="{BB962C8B-B14F-4D97-AF65-F5344CB8AC3E}">
-        <p14:creationId xmlns:p14="http://schemas.microsoft.com/office/powerpoint/2010/main" val="3370610235"/>
-      </p:ext>
-    </p:extLst>
-  </p:cSld>
-  <p:clrMapOvr>
-    <a:masterClrMapping/>
-  </p:clrMapOvr>
-</p:sld>
-</file>
-
 <file path=ppt/theme/theme1.xml><?xml version="1.0" encoding="utf-8"?>
 <a:theme xmlns:a="http://schemas.openxmlformats.org/drawingml/2006/main" name="Office Theme">
   <a:themeElements>
@@ -39567,4 +40595,319 @@
     </a:ext>
   </a:extLst>
 </a:theme>
+</file>
+
+<file path=ppt/theme/theme2.xml><?xml version="1.0" encoding="utf-8"?>
+<a:theme xmlns:a="http://schemas.openxmlformats.org/drawingml/2006/main" name="Office Theme">
+  <a:themeElements>
+    <a:clrScheme name="Office">
+      <a:dk1>
+        <a:sysClr val="windowText" lastClr="000000"/>
+      </a:dk1>
+      <a:lt1>
+        <a:sysClr val="window" lastClr="FFFFFF"/>
+      </a:lt1>
+      <a:dk2>
+        <a:srgbClr val="0E2841"/>
+      </a:dk2>
+      <a:lt2>
+        <a:srgbClr val="E8E8E8"/>
+      </a:lt2>
+      <a:accent1>
+        <a:srgbClr val="156082"/>
+      </a:accent1>
+      <a:accent2>
+        <a:srgbClr val="E97132"/>
+      </a:accent2>
+      <a:accent3>
+        <a:srgbClr val="196B24"/>
+      </a:accent3>
+      <a:accent4>
+        <a:srgbClr val="0F9ED5"/>
+      </a:accent4>
+      <a:accent5>
+        <a:srgbClr val="A02B93"/>
+      </a:accent5>
+      <a:accent6>
+        <a:srgbClr val="4EA72E"/>
+      </a:accent6>
+      <a:hlink>
+        <a:srgbClr val="467886"/>
+      </a:hlink>
+      <a:folHlink>
+        <a:srgbClr val="96607D"/>
+      </a:folHlink>
+    </a:clrScheme>
+    <a:fontScheme name="Office">
+      <a:majorFont>
+        <a:latin typeface="Aptos Display" panose="02110004020202020204"/>
+        <a:ea typeface=""/>
+        <a:cs typeface=""/>
+        <a:font script="Jpan" typeface="游ゴシック Light"/>
+        <a:font script="Hang" typeface="맑은 고딕"/>
+        <a:font script="Hans" typeface="等线 Light"/>
+        <a:font script="Hant" typeface="新細明體"/>
+        <a:font script="Arab" typeface="Times New Roman"/>
+        <a:font script="Hebr" typeface="Times New Roman"/>
+        <a:font script="Thai" typeface="Angsana New"/>
+        <a:font script="Ethi" typeface="Nyala"/>
+        <a:font script="Beng" typeface="Vrinda"/>
+        <a:font script="Gujr" typeface="Shruti"/>
+        <a:font script="Khmr" typeface="MoolBoran"/>
+        <a:font script="Knda" typeface="Tunga"/>
+        <a:font script="Guru" typeface="Raavi"/>
+        <a:font script="Cans" typeface="Euphemia"/>
+        <a:font script="Cher" typeface="Plantagenet Cherokee"/>
+        <a:font script="Yiii" typeface="Microsoft Yi Baiti"/>
+        <a:font script="Tibt" typeface="Microsoft Himalaya"/>
+        <a:font script="Thaa" typeface="MV Boli"/>
+        <a:font script="Deva" typeface="Mangal"/>
+        <a:font script="Telu" typeface="Gautami"/>
+        <a:font script="Taml" typeface="Latha"/>
+        <a:font script="Syrc" typeface="Estrangelo Edessa"/>
+        <a:font script="Orya" typeface="Kalinga"/>
+        <a:font script="Mlym" typeface="Kartika"/>
+        <a:font script="Laoo" typeface="DokChampa"/>
+        <a:font script="Sinh" typeface="Iskoola Pota"/>
+        <a:font script="Mong" typeface="Mongolian Baiti"/>
+        <a:font script="Viet" typeface="Times New Roman"/>
+        <a:font script="Uigh" typeface="Microsoft Uighur"/>
+        <a:font script="Geor" typeface="Sylfaen"/>
+        <a:font script="Armn" typeface="Arial"/>
+        <a:font script="Bugi" typeface="Leelawadee UI"/>
+        <a:font script="Bopo" typeface="Microsoft JhengHei"/>
+        <a:font script="Java" typeface="Javanese Text"/>
+        <a:font script="Lisu" typeface="Segoe UI"/>
+        <a:font script="Mymr" typeface="Myanmar Text"/>
+        <a:font script="Nkoo" typeface="Ebrima"/>
+        <a:font script="Olck" typeface="Nirmala UI"/>
+        <a:font script="Osma" typeface="Ebrima"/>
+        <a:font script="Phag" typeface="Phagspa"/>
+        <a:font script="Syrn" typeface="Estrangelo Edessa"/>
+        <a:font script="Syrj" typeface="Estrangelo Edessa"/>
+        <a:font script="Syre" typeface="Estrangelo Edessa"/>
+        <a:font script="Sora" typeface="Nirmala UI"/>
+        <a:font script="Tale" typeface="Microsoft Tai Le"/>
+        <a:font script="Talu" typeface="Microsoft New Tai Lue"/>
+        <a:font script="Tfng" typeface="Ebrima"/>
+      </a:majorFont>
+      <a:minorFont>
+        <a:latin typeface="Aptos" panose="02110004020202020204"/>
+        <a:ea typeface=""/>
+        <a:cs typeface=""/>
+        <a:font script="Jpan" typeface="游ゴシック"/>
+        <a:font script="Hang" typeface="맑은 고딕"/>
+        <a:font script="Hans" typeface="等线"/>
+        <a:font script="Hant" typeface="新細明體"/>
+        <a:font script="Arab" typeface="Arial"/>
+        <a:font script="Hebr" typeface="Arial"/>
+        <a:font script="Thai" typeface="Cordia New"/>
+        <a:font script="Ethi" typeface="Nyala"/>
+        <a:font script="Beng" typeface="Vrinda"/>
+        <a:font script="Gujr" typeface="Shruti"/>
+        <a:font script="Khmr" typeface="DaunPenh"/>
+        <a:font script="Knda" typeface="Tunga"/>
+        <a:font script="Guru" typeface="Raavi"/>
+        <a:font script="Cans" typeface="Euphemia"/>
+        <a:font script="Cher" typeface="Plantagenet Cherokee"/>
+        <a:font script="Yiii" typeface="Microsoft Yi Baiti"/>
+        <a:font script="Tibt" typeface="Microsoft Himalaya"/>
+        <a:font script="Thaa" typeface="MV Boli"/>
+        <a:font script="Deva" typeface="Mangal"/>
+        <a:font script="Telu" typeface="Gautami"/>
+        <a:font script="Taml" typeface="Latha"/>
+        <a:font script="Syrc" typeface="Estrangelo Edessa"/>
+        <a:font script="Orya" typeface="Kalinga"/>
+        <a:font script="Mlym" typeface="Kartika"/>
+        <a:font script="Laoo" typeface="DokChampa"/>
+        <a:font script="Sinh" typeface="Iskoola Pota"/>
+        <a:font script="Mong" typeface="Mongolian Baiti"/>
+        <a:font script="Viet" typeface="Arial"/>
+        <a:font script="Uigh" typeface="Microsoft Uighur"/>
+        <a:font script="Geor" typeface="Sylfaen"/>
+        <a:font script="Armn" typeface="Arial"/>
+        <a:font script="Bugi" typeface="Leelawadee UI"/>
+        <a:font script="Bopo" typeface="Microsoft JhengHei"/>
+        <a:font script="Java" typeface="Javanese Text"/>
+        <a:font script="Lisu" typeface="Segoe UI"/>
+        <a:font script="Mymr" typeface="Myanmar Text"/>
+        <a:font script="Nkoo" typeface="Ebrima"/>
+        <a:font script="Olck" typeface="Nirmala UI"/>
+        <a:font script="Osma" typeface="Ebrima"/>
+        <a:font script="Phag" typeface="Phagspa"/>
+        <a:font script="Syrn" typeface="Estrangelo Edessa"/>
+        <a:font script="Syrj" typeface="Estrangelo Edessa"/>
+        <a:font script="Syre" typeface="Estrangelo Edessa"/>
+        <a:font script="Sora" typeface="Nirmala UI"/>
+        <a:font script="Tale" typeface="Microsoft Tai Le"/>
+        <a:font script="Talu" typeface="Microsoft New Tai Lue"/>
+        <a:font script="Tfng" typeface="Ebrima"/>
+      </a:minorFont>
+    </a:fontScheme>
+    <a:fmtScheme name="Office">
+      <a:fillStyleLst>
+        <a:solidFill>
+          <a:schemeClr val="phClr"/>
+        </a:solidFill>
+        <a:gradFill rotWithShape="1">
+          <a:gsLst>
+            <a:gs pos="0">
+              <a:schemeClr val="phClr">
+                <a:lumMod val="110000"/>
+                <a:satMod val="105000"/>
+                <a:tint val="67000"/>
+              </a:schemeClr>
+            </a:gs>
+            <a:gs pos="50000">
+              <a:schemeClr val="phClr">
+                <a:lumMod val="105000"/>
+                <a:satMod val="103000"/>
+                <a:tint val="73000"/>
+              </a:schemeClr>
+            </a:gs>
+            <a:gs pos="100000">
+              <a:schemeClr val="phClr">
+                <a:lumMod val="105000"/>
+                <a:satMod val="109000"/>
+                <a:tint val="81000"/>
+              </a:schemeClr>
+            </a:gs>
+          </a:gsLst>
+          <a:lin ang="5400000" scaled="0"/>
+        </a:gradFill>
+        <a:gradFill rotWithShape="1">
+          <a:gsLst>
+            <a:gs pos="0">
+              <a:schemeClr val="phClr">
+                <a:satMod val="103000"/>
+                <a:lumMod val="102000"/>
+                <a:tint val="94000"/>
+              </a:schemeClr>
+            </a:gs>
+            <a:gs pos="50000">
+              <a:schemeClr val="phClr">
+                <a:satMod val="110000"/>
+                <a:lumMod val="100000"/>
+                <a:shade val="100000"/>
+              </a:schemeClr>
+            </a:gs>
+            <a:gs pos="100000">
+              <a:schemeClr val="phClr">
+                <a:lumMod val="99000"/>
+                <a:satMod val="120000"/>
+                <a:shade val="78000"/>
+              </a:schemeClr>
+            </a:gs>
+          </a:gsLst>
+          <a:lin ang="5400000" scaled="0"/>
+        </a:gradFill>
+      </a:fillStyleLst>
+      <a:lnStyleLst>
+        <a:ln w="12700" cap="flat" cmpd="sng" algn="ctr">
+          <a:solidFill>
+            <a:schemeClr val="phClr"/>
+          </a:solidFill>
+          <a:prstDash val="solid"/>
+          <a:miter lim="800000"/>
+        </a:ln>
+        <a:ln w="19050" cap="flat" cmpd="sng" algn="ctr">
+          <a:solidFill>
+            <a:schemeClr val="phClr"/>
+          </a:solidFill>
+          <a:prstDash val="solid"/>
+          <a:miter lim="800000"/>
+        </a:ln>
+        <a:ln w="25400" cap="flat" cmpd="sng" algn="ctr">
+          <a:solidFill>
+            <a:schemeClr val="phClr"/>
+          </a:solidFill>
+          <a:prstDash val="solid"/>
+          <a:miter lim="800000"/>
+        </a:ln>
+      </a:lnStyleLst>
+      <a:effectStyleLst>
+        <a:effectStyle>
+          <a:effectLst/>
+        </a:effectStyle>
+        <a:effectStyle>
+          <a:effectLst/>
+        </a:effectStyle>
+        <a:effectStyle>
+          <a:effectLst>
+            <a:outerShdw blurRad="57150" dist="19050" dir="5400000" algn="ctr" rotWithShape="0">
+              <a:srgbClr val="000000">
+                <a:alpha val="63000"/>
+              </a:srgbClr>
+            </a:outerShdw>
+          </a:effectLst>
+        </a:effectStyle>
+      </a:effectStyleLst>
+      <a:bgFillStyleLst>
+        <a:solidFill>
+          <a:schemeClr val="phClr"/>
+        </a:solidFill>
+        <a:solidFill>
+          <a:schemeClr val="phClr">
+            <a:tint val="95000"/>
+            <a:satMod val="170000"/>
+          </a:schemeClr>
+        </a:solidFill>
+        <a:gradFill rotWithShape="1">
+          <a:gsLst>
+            <a:gs pos="0">
+              <a:schemeClr val="phClr">
+                <a:tint val="93000"/>
+                <a:satMod val="150000"/>
+                <a:shade val="98000"/>
+                <a:lumMod val="102000"/>
+              </a:schemeClr>
+            </a:gs>
+            <a:gs pos="50000">
+              <a:schemeClr val="phClr">
+                <a:tint val="98000"/>
+                <a:satMod val="130000"/>
+                <a:shade val="90000"/>
+                <a:lumMod val="103000"/>
+              </a:schemeClr>
+            </a:gs>
+            <a:gs pos="100000">
+              <a:schemeClr val="phClr">
+                <a:shade val="63000"/>
+                <a:satMod val="120000"/>
+              </a:schemeClr>
+            </a:gs>
+          </a:gsLst>
+          <a:lin ang="5400000" scaled="0"/>
+        </a:gradFill>
+      </a:bgFillStyleLst>
+    </a:fmtScheme>
+  </a:themeElements>
+  <a:objectDefaults>
+    <a:lnDef>
+      <a:spPr/>
+      <a:bodyPr/>
+      <a:lstStyle/>
+      <a:style>
+        <a:lnRef idx="2">
+          <a:schemeClr val="accent1"/>
+        </a:lnRef>
+        <a:fillRef idx="0">
+          <a:schemeClr val="accent1"/>
+        </a:fillRef>
+        <a:effectRef idx="1">
+          <a:schemeClr val="accent1"/>
+        </a:effectRef>
+        <a:fontRef idx="minor">
+          <a:schemeClr val="tx1"/>
+        </a:fontRef>
+      </a:style>
+    </a:lnDef>
+  </a:objectDefaults>
+  <a:extraClrSchemeLst/>
+  <a:extLst>
+    <a:ext uri="{05A4C25C-085E-4340-85A3-A5531E510DB2}">
+      <thm15:themeFamily xmlns:thm15="http://schemas.microsoft.com/office/thememl/2012/main" name="Office Theme" id="{2E142A2C-CD16-42D6-873A-C26D2A0506FA}" vid="{1BDDFF52-6CD6-40A5-AB3C-68EB2F1E4D0A}"/>
+    </a:ext>
+  </a:extLst>
+</a:theme>
 </file>